--- a/BIARD_Sunny_3_veille_052024.pptx
+++ b/BIARD_Sunny_3_veille_052024.pptx
@@ -114,6 +114,11 @@
       </a:defRPr>
     </a:lvl9pPr>
   </p:defaultTextStyle>
+  <p:extLst>
+    <p:ext uri="{EFAFB233-063F-42B5-8137-9DF3F51BA10A}">
+      <p15:sldGuideLst xmlns:p15="http://schemas.microsoft.com/office/powerpoint/2012/main"/>
+    </p:ext>
+  </p:extLst>
 </p:presentation>
 </file>
 
@@ -174,7 +179,7 @@
           <a:noFill/>
           <a:extLst>
             <a:ext uri="{909E8E84-426E-40dd-AFC4-6F175D3DCCD1}">
-              <a14:hiddenFill xmlns:a14="http://schemas.microsoft.com/office/drawing/2010/main" xmlns="">
+              <a14:hiddenFill xmlns="" xmlns:a14="http://schemas.microsoft.com/office/drawing/2010/main">
                 <a:solidFill>
                   <a:srgbClr val="FFFFFF"/>
                 </a:solidFill>
@@ -234,7 +239,7 @@
             </a:ln>
             <a:extLst>
               <a:ext uri="{91240B29-F687-4f45-9708-019B960494DF}">
-                <a14:hiddenLine xmlns:a14="http://schemas.microsoft.com/office/drawing/2010/main" xmlns="" w="9525">
+                <a14:hiddenLine xmlns="" xmlns:a14="http://schemas.microsoft.com/office/drawing/2010/main" w="9525">
                   <a:solidFill>
                     <a:srgbClr val="000000"/>
                   </a:solidFill>
@@ -324,7 +329,7 @@
             </a:ln>
             <a:extLst>
               <a:ext uri="{91240B29-F687-4f45-9708-019B960494DF}">
-                <a14:hiddenLine xmlns:a14="http://schemas.microsoft.com/office/drawing/2010/main" xmlns="" w="9525">
+                <a14:hiddenLine xmlns="" xmlns:a14="http://schemas.microsoft.com/office/drawing/2010/main" w="9525">
                   <a:solidFill>
                     <a:srgbClr val="000000"/>
                   </a:solidFill>
@@ -414,7 +419,7 @@
             </a:ln>
             <a:extLst>
               <a:ext uri="{91240B29-F687-4f45-9708-019B960494DF}">
-                <a14:hiddenLine xmlns:a14="http://schemas.microsoft.com/office/drawing/2010/main" xmlns="" w="9525">
+                <a14:hiddenLine xmlns="" xmlns:a14="http://schemas.microsoft.com/office/drawing/2010/main" w="9525">
                   <a:solidFill>
                     <a:srgbClr val="000000"/>
                   </a:solidFill>
@@ -448,7 +453,7 @@
             </a:ln>
             <a:extLst>
               <a:ext uri="{91240B29-F687-4f45-9708-019B960494DF}">
-                <a14:hiddenLine xmlns:a14="http://schemas.microsoft.com/office/drawing/2010/main" xmlns="" w="9525">
+                <a14:hiddenLine xmlns="" xmlns:a14="http://schemas.microsoft.com/office/drawing/2010/main" w="9525">
                   <a:solidFill>
                     <a:srgbClr val="000000"/>
                   </a:solidFill>
@@ -538,7 +543,7 @@
             </a:ln>
             <a:extLst>
               <a:ext uri="{91240B29-F687-4f45-9708-019B960494DF}">
-                <a14:hiddenLine xmlns:a14="http://schemas.microsoft.com/office/drawing/2010/main" xmlns="" w="9525">
+                <a14:hiddenLine xmlns="" xmlns:a14="http://schemas.microsoft.com/office/drawing/2010/main" w="9525">
                   <a:solidFill>
                     <a:srgbClr val="000000"/>
                   </a:solidFill>
@@ -600,7 +605,7 @@
             </a:ln>
             <a:extLst>
               <a:ext uri="{91240B29-F687-4f45-9708-019B960494DF}">
-                <a14:hiddenLine xmlns:a14="http://schemas.microsoft.com/office/drawing/2010/main" xmlns="" w="9525">
+                <a14:hiddenLine xmlns="" xmlns:a14="http://schemas.microsoft.com/office/drawing/2010/main" w="9525">
                   <a:solidFill>
                     <a:srgbClr val="000000"/>
                   </a:solidFill>
@@ -662,7 +667,7 @@
             </a:ln>
             <a:extLst>
               <a:ext uri="{91240B29-F687-4f45-9708-019B960494DF}">
-                <a14:hiddenLine xmlns:a14="http://schemas.microsoft.com/office/drawing/2010/main" xmlns="" w="9525">
+                <a14:hiddenLine xmlns="" xmlns:a14="http://schemas.microsoft.com/office/drawing/2010/main" w="9525">
                   <a:solidFill>
                     <a:srgbClr val="000000"/>
                   </a:solidFill>
@@ -752,7 +757,7 @@
             </a:ln>
             <a:extLst>
               <a:ext uri="{91240B29-F687-4f45-9708-019B960494DF}">
-                <a14:hiddenLine xmlns:a14="http://schemas.microsoft.com/office/drawing/2010/main" xmlns="" w="9525">
+                <a14:hiddenLine xmlns="" xmlns:a14="http://schemas.microsoft.com/office/drawing/2010/main" w="9525">
                   <a:solidFill>
                     <a:srgbClr val="000000"/>
                   </a:solidFill>
@@ -814,7 +819,7 @@
             </a:ln>
             <a:extLst>
               <a:ext uri="{91240B29-F687-4f45-9708-019B960494DF}">
-                <a14:hiddenLine xmlns:a14="http://schemas.microsoft.com/office/drawing/2010/main" xmlns="" w="9525">
+                <a14:hiddenLine xmlns="" xmlns:a14="http://schemas.microsoft.com/office/drawing/2010/main" w="9525">
                   <a:solidFill>
                     <a:srgbClr val="000000"/>
                   </a:solidFill>
@@ -876,7 +881,7 @@
             </a:ln>
             <a:extLst>
               <a:ext uri="{91240B29-F687-4f45-9708-019B960494DF}">
-                <a14:hiddenLine xmlns:a14="http://schemas.microsoft.com/office/drawing/2010/main" xmlns="" w="9525">
+                <a14:hiddenLine xmlns="" xmlns:a14="http://schemas.microsoft.com/office/drawing/2010/main" w="9525">
                   <a:solidFill>
                     <a:srgbClr val="000000"/>
                   </a:solidFill>
@@ -966,7 +971,7 @@
             </a:ln>
             <a:extLst>
               <a:ext uri="{91240B29-F687-4f45-9708-019B960494DF}">
-                <a14:hiddenLine xmlns:a14="http://schemas.microsoft.com/office/drawing/2010/main" xmlns="" w="9525">
+                <a14:hiddenLine xmlns="" xmlns:a14="http://schemas.microsoft.com/office/drawing/2010/main" w="9525">
                   <a:solidFill>
                     <a:srgbClr val="000000"/>
                   </a:solidFill>
@@ -1056,7 +1061,7 @@
             </a:ln>
             <a:extLst>
               <a:ext uri="{91240B29-F687-4f45-9708-019B960494DF}">
-                <a14:hiddenLine xmlns:a14="http://schemas.microsoft.com/office/drawing/2010/main" xmlns="" w="9525">
+                <a14:hiddenLine xmlns="" xmlns:a14="http://schemas.microsoft.com/office/drawing/2010/main" w="9525">
                   <a:solidFill>
                     <a:srgbClr val="000000"/>
                   </a:solidFill>
@@ -1118,7 +1123,7 @@
             </a:ln>
             <a:extLst>
               <a:ext uri="{91240B29-F687-4f45-9708-019B960494DF}">
-                <a14:hiddenLine xmlns:a14="http://schemas.microsoft.com/office/drawing/2010/main" xmlns="" w="9525">
+                <a14:hiddenLine xmlns="" xmlns:a14="http://schemas.microsoft.com/office/drawing/2010/main" w="9525">
                   <a:solidFill>
                     <a:srgbClr val="000000"/>
                   </a:solidFill>
@@ -1228,7 +1233,7 @@
             </a:ln>
             <a:extLst>
               <a:ext uri="{91240B29-F687-4f45-9708-019B960494DF}">
-                <a14:hiddenLine xmlns:a14="http://schemas.microsoft.com/office/drawing/2010/main" xmlns="" w="9525">
+                <a14:hiddenLine xmlns="" xmlns:a14="http://schemas.microsoft.com/office/drawing/2010/main" w="9525">
                   <a:solidFill>
                     <a:srgbClr val="000000"/>
                   </a:solidFill>
@@ -1290,7 +1295,7 @@
             </a:ln>
             <a:extLst>
               <a:ext uri="{91240B29-F687-4f45-9708-019B960494DF}">
-                <a14:hiddenLine xmlns:a14="http://schemas.microsoft.com/office/drawing/2010/main" xmlns="" w="9525">
+                <a14:hiddenLine xmlns="" xmlns:a14="http://schemas.microsoft.com/office/drawing/2010/main" w="9525">
                   <a:solidFill>
                     <a:srgbClr val="000000"/>
                   </a:solidFill>
@@ -1380,7 +1385,7 @@
             </a:ln>
             <a:extLst>
               <a:ext uri="{91240B29-F687-4f45-9708-019B960494DF}">
-                <a14:hiddenLine xmlns:a14="http://schemas.microsoft.com/office/drawing/2010/main" xmlns="" w="9525">
+                <a14:hiddenLine xmlns="" xmlns:a14="http://schemas.microsoft.com/office/drawing/2010/main" w="9525">
                   <a:solidFill>
                     <a:srgbClr val="000000"/>
                   </a:solidFill>
@@ -1470,7 +1475,7 @@
             </a:ln>
             <a:extLst>
               <a:ext uri="{91240B29-F687-4f45-9708-019B960494DF}">
-                <a14:hiddenLine xmlns:a14="http://schemas.microsoft.com/office/drawing/2010/main" xmlns="" w="9525">
+                <a14:hiddenLine xmlns="" xmlns:a14="http://schemas.microsoft.com/office/drawing/2010/main" w="9525">
                   <a:solidFill>
                     <a:srgbClr val="000000"/>
                   </a:solidFill>
@@ -1532,7 +1537,7 @@
             </a:ln>
             <a:extLst>
               <a:ext uri="{91240B29-F687-4f45-9708-019B960494DF}">
-                <a14:hiddenLine xmlns:a14="http://schemas.microsoft.com/office/drawing/2010/main" xmlns="" w="9525">
+                <a14:hiddenLine xmlns="" xmlns:a14="http://schemas.microsoft.com/office/drawing/2010/main" w="9525">
                   <a:solidFill>
                     <a:srgbClr val="000000"/>
                   </a:solidFill>
@@ -1622,7 +1627,7 @@
             </a:ln>
             <a:extLst>
               <a:ext uri="{91240B29-F687-4f45-9708-019B960494DF}">
-                <a14:hiddenLine xmlns:a14="http://schemas.microsoft.com/office/drawing/2010/main" xmlns="" w="9525">
+                <a14:hiddenLine xmlns="" xmlns:a14="http://schemas.microsoft.com/office/drawing/2010/main" w="9525">
                   <a:solidFill>
                     <a:srgbClr val="000000"/>
                   </a:solidFill>
@@ -1712,7 +1717,7 @@
             </a:ln>
             <a:extLst>
               <a:ext uri="{91240B29-F687-4f45-9708-019B960494DF}">
-                <a14:hiddenLine xmlns:a14="http://schemas.microsoft.com/office/drawing/2010/main" xmlns="" w="9525">
+                <a14:hiddenLine xmlns="" xmlns:a14="http://schemas.microsoft.com/office/drawing/2010/main" w="9525">
                   <a:solidFill>
                     <a:srgbClr val="000000"/>
                   </a:solidFill>
@@ -1768,7 +1773,7 @@
             </a:ln>
             <a:extLst>
               <a:ext uri="{91240B29-F687-4f45-9708-019B960494DF}">
-                <a14:hiddenLine xmlns:a14="http://schemas.microsoft.com/office/drawing/2010/main" xmlns="" w="9525">
+                <a14:hiddenLine xmlns="" xmlns:a14="http://schemas.microsoft.com/office/drawing/2010/main" w="9525">
                   <a:solidFill>
                     <a:srgbClr val="000000"/>
                   </a:solidFill>
@@ -1858,7 +1863,7 @@
             </a:ln>
             <a:extLst>
               <a:ext uri="{91240B29-F687-4f45-9708-019B960494DF}">
-                <a14:hiddenLine xmlns:a14="http://schemas.microsoft.com/office/drawing/2010/main" xmlns="" w="9525">
+                <a14:hiddenLine xmlns="" xmlns:a14="http://schemas.microsoft.com/office/drawing/2010/main" w="9525">
                   <a:solidFill>
                     <a:srgbClr val="000000"/>
                   </a:solidFill>
@@ -1914,7 +1919,7 @@
             </a:ln>
             <a:extLst>
               <a:ext uri="{91240B29-F687-4f45-9708-019B960494DF}">
-                <a14:hiddenLine xmlns:a14="http://schemas.microsoft.com/office/drawing/2010/main" xmlns="" w="9525">
+                <a14:hiddenLine xmlns="" xmlns:a14="http://schemas.microsoft.com/office/drawing/2010/main" w="9525">
                   <a:solidFill>
                     <a:srgbClr val="000000"/>
                   </a:solidFill>
@@ -2004,7 +2009,7 @@
             </a:ln>
             <a:extLst>
               <a:ext uri="{91240B29-F687-4f45-9708-019B960494DF}">
-                <a14:hiddenLine xmlns:a14="http://schemas.microsoft.com/office/drawing/2010/main" xmlns="" w="9525">
+                <a14:hiddenLine xmlns="" xmlns:a14="http://schemas.microsoft.com/office/drawing/2010/main" w="9525">
                   <a:solidFill>
                     <a:srgbClr val="000000"/>
                   </a:solidFill>
@@ -2072,7 +2077,7 @@
             </a:ln>
             <a:extLst>
               <a:ext uri="{91240B29-F687-4f45-9708-019B960494DF}">
-                <a14:hiddenLine xmlns:a14="http://schemas.microsoft.com/office/drawing/2010/main" xmlns="" w="9525">
+                <a14:hiddenLine xmlns="" xmlns:a14="http://schemas.microsoft.com/office/drawing/2010/main" w="9525">
                   <a:solidFill>
                     <a:srgbClr val="000000"/>
                   </a:solidFill>
@@ -2162,7 +2167,7 @@
             </a:ln>
             <a:extLst>
               <a:ext uri="{91240B29-F687-4f45-9708-019B960494DF}">
-                <a14:hiddenLine xmlns:a14="http://schemas.microsoft.com/office/drawing/2010/main" xmlns="" w="9525">
+                <a14:hiddenLine xmlns="" xmlns:a14="http://schemas.microsoft.com/office/drawing/2010/main" w="9525">
                   <a:solidFill>
                     <a:srgbClr val="000000"/>
                   </a:solidFill>
@@ -2230,7 +2235,7 @@
             </a:ln>
             <a:extLst>
               <a:ext uri="{91240B29-F687-4f45-9708-019B960494DF}">
-                <a14:hiddenLine xmlns:a14="http://schemas.microsoft.com/office/drawing/2010/main" xmlns="" w="9525">
+                <a14:hiddenLine xmlns="" xmlns:a14="http://schemas.microsoft.com/office/drawing/2010/main" w="9525">
                   <a:solidFill>
                     <a:srgbClr val="000000"/>
                   </a:solidFill>
@@ -2320,7 +2325,7 @@
             </a:ln>
             <a:extLst>
               <a:ext uri="{91240B29-F687-4f45-9708-019B960494DF}">
-                <a14:hiddenLine xmlns:a14="http://schemas.microsoft.com/office/drawing/2010/main" xmlns="" w="9525">
+                <a14:hiddenLine xmlns="" xmlns:a14="http://schemas.microsoft.com/office/drawing/2010/main" w="9525">
                   <a:solidFill>
                     <a:srgbClr val="000000"/>
                   </a:solidFill>
@@ -2354,7 +2359,7 @@
             </a:ln>
             <a:extLst>
               <a:ext uri="{91240B29-F687-4f45-9708-019B960494DF}">
-                <a14:hiddenLine xmlns:a14="http://schemas.microsoft.com/office/drawing/2010/main" xmlns="" w="9525">
+                <a14:hiddenLine xmlns="" xmlns:a14="http://schemas.microsoft.com/office/drawing/2010/main" w="9525">
                   <a:solidFill>
                     <a:srgbClr val="000000"/>
                   </a:solidFill>
@@ -2444,7 +2449,7 @@
             </a:ln>
             <a:extLst>
               <a:ext uri="{91240B29-F687-4f45-9708-019B960494DF}">
-                <a14:hiddenLine xmlns:a14="http://schemas.microsoft.com/office/drawing/2010/main" xmlns="" w="9525">
+                <a14:hiddenLine xmlns="" xmlns:a14="http://schemas.microsoft.com/office/drawing/2010/main" w="9525">
                   <a:solidFill>
                     <a:srgbClr val="000000"/>
                   </a:solidFill>
@@ -2506,7 +2511,7 @@
             </a:ln>
             <a:extLst>
               <a:ext uri="{91240B29-F687-4f45-9708-019B960494DF}">
-                <a14:hiddenLine xmlns:a14="http://schemas.microsoft.com/office/drawing/2010/main" xmlns="" w="9525">
+                <a14:hiddenLine xmlns="" xmlns:a14="http://schemas.microsoft.com/office/drawing/2010/main" w="9525">
                   <a:solidFill>
                     <a:srgbClr val="000000"/>
                   </a:solidFill>
@@ -2568,7 +2573,7 @@
             </a:ln>
             <a:extLst>
               <a:ext uri="{91240B29-F687-4f45-9708-019B960494DF}">
-                <a14:hiddenLine xmlns:a14="http://schemas.microsoft.com/office/drawing/2010/main" xmlns="" w="9525">
+                <a14:hiddenLine xmlns="" xmlns:a14="http://schemas.microsoft.com/office/drawing/2010/main" w="9525">
                   <a:solidFill>
                     <a:srgbClr val="000000"/>
                   </a:solidFill>
@@ -2658,7 +2663,7 @@
             </a:ln>
             <a:extLst>
               <a:ext uri="{91240B29-F687-4f45-9708-019B960494DF}">
-                <a14:hiddenLine xmlns:a14="http://schemas.microsoft.com/office/drawing/2010/main" xmlns="" w="9525">
+                <a14:hiddenLine xmlns="" xmlns:a14="http://schemas.microsoft.com/office/drawing/2010/main" w="9525">
                   <a:solidFill>
                     <a:srgbClr val="000000"/>
                   </a:solidFill>
@@ -2726,7 +2731,7 @@
             </a:ln>
             <a:extLst>
               <a:ext uri="{91240B29-F687-4f45-9708-019B960494DF}">
-                <a14:hiddenLine xmlns:a14="http://schemas.microsoft.com/office/drawing/2010/main" xmlns="" w="9525">
+                <a14:hiddenLine xmlns="" xmlns:a14="http://schemas.microsoft.com/office/drawing/2010/main" w="9525">
                   <a:solidFill>
                     <a:srgbClr val="000000"/>
                   </a:solidFill>
@@ -2788,7 +2793,7 @@
             </a:ln>
             <a:extLst>
               <a:ext uri="{91240B29-F687-4f45-9708-019B960494DF}">
-                <a14:hiddenLine xmlns:a14="http://schemas.microsoft.com/office/drawing/2010/main" xmlns="" w="9525">
+                <a14:hiddenLine xmlns="" xmlns:a14="http://schemas.microsoft.com/office/drawing/2010/main" w="9525">
                   <a:solidFill>
                     <a:srgbClr val="000000"/>
                   </a:solidFill>
@@ -2878,7 +2883,7 @@
             </a:ln>
             <a:extLst>
               <a:ext uri="{91240B29-F687-4f45-9708-019B960494DF}">
-                <a14:hiddenLine xmlns:a14="http://schemas.microsoft.com/office/drawing/2010/main" xmlns="" w="9525">
+                <a14:hiddenLine xmlns="" xmlns:a14="http://schemas.microsoft.com/office/drawing/2010/main" w="9525">
                   <a:solidFill>
                     <a:srgbClr val="000000"/>
                   </a:solidFill>
@@ -2940,7 +2945,7 @@
             </a:ln>
             <a:extLst>
               <a:ext uri="{91240B29-F687-4f45-9708-019B960494DF}">
-                <a14:hiddenLine xmlns:a14="http://schemas.microsoft.com/office/drawing/2010/main" xmlns="" w="9525">
+                <a14:hiddenLine xmlns="" xmlns:a14="http://schemas.microsoft.com/office/drawing/2010/main" w="9525">
                   <a:solidFill>
                     <a:srgbClr val="000000"/>
                   </a:solidFill>
@@ -3030,7 +3035,7 @@
             </a:ln>
             <a:extLst>
               <a:ext uri="{91240B29-F687-4f45-9708-019B960494DF}">
-                <a14:hiddenLine xmlns:a14="http://schemas.microsoft.com/office/drawing/2010/main" xmlns="" w="9525">
+                <a14:hiddenLine xmlns="" xmlns:a14="http://schemas.microsoft.com/office/drawing/2010/main" w="9525">
                   <a:solidFill>
                     <a:srgbClr val="000000"/>
                   </a:solidFill>
@@ -3092,7 +3097,7 @@
             </a:ln>
             <a:extLst>
               <a:ext uri="{91240B29-F687-4f45-9708-019B960494DF}">
-                <a14:hiddenLine xmlns:a14="http://schemas.microsoft.com/office/drawing/2010/main" xmlns="" w="9525">
+                <a14:hiddenLine xmlns="" xmlns:a14="http://schemas.microsoft.com/office/drawing/2010/main" w="9525">
                   <a:solidFill>
                     <a:srgbClr val="000000"/>
                   </a:solidFill>
@@ -3182,7 +3187,7 @@
             </a:ln>
             <a:extLst>
               <a:ext uri="{91240B29-F687-4f45-9708-019B960494DF}">
-                <a14:hiddenLine xmlns:a14="http://schemas.microsoft.com/office/drawing/2010/main" xmlns="" w="9525">
+                <a14:hiddenLine xmlns="" xmlns:a14="http://schemas.microsoft.com/office/drawing/2010/main" w="9525">
                   <a:solidFill>
                     <a:srgbClr val="000000"/>
                   </a:solidFill>
@@ -3216,7 +3221,7 @@
             </a:ln>
             <a:extLst>
               <a:ext uri="{91240B29-F687-4f45-9708-019B960494DF}">
-                <a14:hiddenLine xmlns:a14="http://schemas.microsoft.com/office/drawing/2010/main" xmlns="" w="9525">
+                <a14:hiddenLine xmlns="" xmlns:a14="http://schemas.microsoft.com/office/drawing/2010/main" w="9525">
                   <a:solidFill>
                     <a:srgbClr val="000000"/>
                   </a:solidFill>
@@ -3281,7 +3286,7 @@
             </a:ln>
             <a:extLst>
               <a:ext uri="{91240B29-F687-4f45-9708-019B960494DF}">
-                <a14:hiddenLine xmlns:a14="http://schemas.microsoft.com/office/drawing/2010/main" xmlns="" w="9525">
+                <a14:hiddenLine xmlns="" xmlns:a14="http://schemas.microsoft.com/office/drawing/2010/main" w="9525">
                   <a:solidFill>
                     <a:srgbClr val="000000"/>
                   </a:solidFill>
@@ -3371,7 +3376,7 @@
             </a:ln>
             <a:extLst>
               <a:ext uri="{91240B29-F687-4f45-9708-019B960494DF}">
-                <a14:hiddenLine xmlns:a14="http://schemas.microsoft.com/office/drawing/2010/main" xmlns="" w="9525">
+                <a14:hiddenLine xmlns="" xmlns:a14="http://schemas.microsoft.com/office/drawing/2010/main" w="9525">
                   <a:solidFill>
                     <a:srgbClr val="000000"/>
                   </a:solidFill>
@@ -3433,7 +3438,7 @@
             </a:ln>
             <a:extLst>
               <a:ext uri="{91240B29-F687-4f45-9708-019B960494DF}">
-                <a14:hiddenLine xmlns:a14="http://schemas.microsoft.com/office/drawing/2010/main" xmlns="" w="9525">
+                <a14:hiddenLine xmlns="" xmlns:a14="http://schemas.microsoft.com/office/drawing/2010/main" w="9525">
                   <a:solidFill>
                     <a:srgbClr val="000000"/>
                   </a:solidFill>
@@ -3523,7 +3528,7 @@
             </a:ln>
             <a:extLst>
               <a:ext uri="{91240B29-F687-4f45-9708-019B960494DF}">
-                <a14:hiddenLine xmlns:a14="http://schemas.microsoft.com/office/drawing/2010/main" xmlns="" w="9525">
+                <a14:hiddenLine xmlns="" xmlns:a14="http://schemas.microsoft.com/office/drawing/2010/main" w="9525">
                   <a:solidFill>
                     <a:srgbClr val="000000"/>
                   </a:solidFill>
@@ -3613,7 +3618,7 @@
             </a:ln>
             <a:extLst>
               <a:ext uri="{91240B29-F687-4f45-9708-019B960494DF}">
-                <a14:hiddenLine xmlns:a14="http://schemas.microsoft.com/office/drawing/2010/main" xmlns="" w="9525">
+                <a14:hiddenLine xmlns="" xmlns:a14="http://schemas.microsoft.com/office/drawing/2010/main" w="9525">
                   <a:solidFill>
                     <a:srgbClr val="000000"/>
                   </a:solidFill>
@@ -3678,7 +3683,7 @@
             </a:ln>
             <a:extLst>
               <a:ext uri="{91240B29-F687-4f45-9708-019B960494DF}">
-                <a14:hiddenLine xmlns:a14="http://schemas.microsoft.com/office/drawing/2010/main" xmlns="" w="9525">
+                <a14:hiddenLine xmlns="" xmlns:a14="http://schemas.microsoft.com/office/drawing/2010/main" w="9525">
                   <a:solidFill>
                     <a:srgbClr val="000000"/>
                   </a:solidFill>
@@ -3740,7 +3745,7 @@
             </a:ln>
             <a:extLst>
               <a:ext uri="{91240B29-F687-4f45-9708-019B960494DF}">
-                <a14:hiddenLine xmlns:a14="http://schemas.microsoft.com/office/drawing/2010/main" xmlns="" w="9525">
+                <a14:hiddenLine xmlns="" xmlns:a14="http://schemas.microsoft.com/office/drawing/2010/main" w="9525">
                   <a:solidFill>
                     <a:srgbClr val="000000"/>
                   </a:solidFill>
@@ -3830,7 +3835,7 @@
             </a:ln>
             <a:extLst>
               <a:ext uri="{91240B29-F687-4f45-9708-019B960494DF}">
-                <a14:hiddenLine xmlns:a14="http://schemas.microsoft.com/office/drawing/2010/main" xmlns="" w="9525">
+                <a14:hiddenLine xmlns="" xmlns:a14="http://schemas.microsoft.com/office/drawing/2010/main" w="9525">
                   <a:solidFill>
                     <a:srgbClr val="000000"/>
                   </a:solidFill>
@@ -3920,7 +3925,7 @@
             </a:ln>
             <a:extLst>
               <a:ext uri="{91240B29-F687-4f45-9708-019B960494DF}">
-                <a14:hiddenLine xmlns:a14="http://schemas.microsoft.com/office/drawing/2010/main" xmlns="" w="9525">
+                <a14:hiddenLine xmlns="" xmlns:a14="http://schemas.microsoft.com/office/drawing/2010/main" w="9525">
                   <a:solidFill>
                     <a:srgbClr val="000000"/>
                   </a:solidFill>
@@ -3982,7 +3987,7 @@
             </a:ln>
             <a:extLst>
               <a:ext uri="{91240B29-F687-4f45-9708-019B960494DF}">
-                <a14:hiddenLine xmlns:a14="http://schemas.microsoft.com/office/drawing/2010/main" xmlns="" w="9525">
+                <a14:hiddenLine xmlns="" xmlns:a14="http://schemas.microsoft.com/office/drawing/2010/main" w="9525">
                   <a:solidFill>
                     <a:srgbClr val="000000"/>
                   </a:solidFill>
@@ -4102,7 +4107,7 @@
             </a:ln>
             <a:extLst>
               <a:ext uri="{91240B29-F687-4f45-9708-019B960494DF}">
-                <a14:hiddenLine xmlns:a14="http://schemas.microsoft.com/office/drawing/2010/main" xmlns="" w="9525">
+                <a14:hiddenLine xmlns="" xmlns:a14="http://schemas.microsoft.com/office/drawing/2010/main" w="9525">
                   <a:solidFill>
                     <a:srgbClr val="000000"/>
                   </a:solidFill>
@@ -4170,7 +4175,7 @@
             </a:ln>
             <a:extLst>
               <a:ext uri="{91240B29-F687-4f45-9708-019B960494DF}">
-                <a14:hiddenLine xmlns:a14="http://schemas.microsoft.com/office/drawing/2010/main" xmlns="" w="9525">
+                <a14:hiddenLine xmlns="" xmlns:a14="http://schemas.microsoft.com/office/drawing/2010/main" w="9525">
                   <a:solidFill>
                     <a:srgbClr val="000000"/>
                   </a:solidFill>
@@ -4260,7 +4265,7 @@
             </a:ln>
             <a:extLst>
               <a:ext uri="{91240B29-F687-4f45-9708-019B960494DF}">
-                <a14:hiddenLine xmlns:a14="http://schemas.microsoft.com/office/drawing/2010/main" xmlns="" w="9525">
+                <a14:hiddenLine xmlns="" xmlns:a14="http://schemas.microsoft.com/office/drawing/2010/main" w="9525">
                   <a:solidFill>
                     <a:srgbClr val="000000"/>
                   </a:solidFill>
@@ -4400,7 +4405,7 @@
           <a:p>
             <a:fld id="{BAFBD940-02ED-46BD-8F78-E6742406428C}" type="datetimeFigureOut">
               <a:rPr lang="fr-FR" smtClean="0"/>
-              <a:t>06/05/2024</a:t>
+              <a:t>22/05/2024</a:t>
             </a:fld>
             <a:endParaRPr lang="fr-FR"/>
           </a:p>
@@ -4667,7 +4672,7 @@
           <a:p>
             <a:fld id="{BAFBD940-02ED-46BD-8F78-E6742406428C}" type="datetimeFigureOut">
               <a:rPr lang="fr-FR" smtClean="0"/>
-              <a:t>06/05/2024</a:t>
+              <a:t>22/05/2024</a:t>
             </a:fld>
             <a:endParaRPr lang="fr-FR"/>
           </a:p>
@@ -4863,7 +4868,7 @@
           <a:p>
             <a:fld id="{BAFBD940-02ED-46BD-8F78-E6742406428C}" type="datetimeFigureOut">
               <a:rPr lang="fr-FR" smtClean="0"/>
-              <a:t>06/05/2024</a:t>
+              <a:t>22/05/2024</a:t>
             </a:fld>
             <a:endParaRPr lang="fr-FR"/>
           </a:p>
@@ -5126,7 +5131,7 @@
           <a:p>
             <a:fld id="{BAFBD940-02ED-46BD-8F78-E6742406428C}" type="datetimeFigureOut">
               <a:rPr lang="fr-FR" smtClean="0"/>
-              <a:t>06/05/2024</a:t>
+              <a:t>22/05/2024</a:t>
             </a:fld>
             <a:endParaRPr lang="fr-FR"/>
           </a:p>
@@ -5560,7 +5565,7 @@
           <a:p>
             <a:fld id="{BAFBD940-02ED-46BD-8F78-E6742406428C}" type="datetimeFigureOut">
               <a:rPr lang="fr-FR" smtClean="0"/>
-              <a:t>06/05/2024</a:t>
+              <a:t>22/05/2024</a:t>
             </a:fld>
             <a:endParaRPr lang="fr-FR"/>
           </a:p>
@@ -6106,7 +6111,7 @@
           <a:p>
             <a:fld id="{BAFBD940-02ED-46BD-8F78-E6742406428C}" type="datetimeFigureOut">
               <a:rPr lang="fr-FR" smtClean="0"/>
-              <a:t>06/05/2024</a:t>
+              <a:t>22/05/2024</a:t>
             </a:fld>
             <a:endParaRPr lang="fr-FR"/>
           </a:p>
@@ -6826,7 +6831,7 @@
           <a:p>
             <a:fld id="{BAFBD940-02ED-46BD-8F78-E6742406428C}" type="datetimeFigureOut">
               <a:rPr lang="fr-FR" smtClean="0"/>
-              <a:t>06/05/2024</a:t>
+              <a:t>22/05/2024</a:t>
             </a:fld>
             <a:endParaRPr lang="fr-FR"/>
           </a:p>
@@ -6996,7 +7001,7 @@
           <a:p>
             <a:fld id="{BAFBD940-02ED-46BD-8F78-E6742406428C}" type="datetimeFigureOut">
               <a:rPr lang="fr-FR" smtClean="0"/>
-              <a:t>06/05/2024</a:t>
+              <a:t>22/05/2024</a:t>
             </a:fld>
             <a:endParaRPr lang="fr-FR"/>
           </a:p>
@@ -7176,7 +7181,7 @@
           <a:p>
             <a:fld id="{BAFBD940-02ED-46BD-8F78-E6742406428C}" type="datetimeFigureOut">
               <a:rPr lang="fr-FR" smtClean="0"/>
-              <a:t>06/05/2024</a:t>
+              <a:t>22/05/2024</a:t>
             </a:fld>
             <a:endParaRPr lang="fr-FR"/>
           </a:p>
@@ -7346,7 +7351,7 @@
           <a:p>
             <a:fld id="{BAFBD940-02ED-46BD-8F78-E6742406428C}" type="datetimeFigureOut">
               <a:rPr lang="fr-FR" smtClean="0"/>
-              <a:t>06/05/2024</a:t>
+              <a:t>22/05/2024</a:t>
             </a:fld>
             <a:endParaRPr lang="fr-FR"/>
           </a:p>
@@ -7596,7 +7601,7 @@
           <a:p>
             <a:fld id="{BAFBD940-02ED-46BD-8F78-E6742406428C}" type="datetimeFigureOut">
               <a:rPr lang="fr-FR" smtClean="0"/>
-              <a:t>06/05/2024</a:t>
+              <a:t>22/05/2024</a:t>
             </a:fld>
             <a:endParaRPr lang="fr-FR"/>
           </a:p>
@@ -7828,7 +7833,7 @@
           <a:p>
             <a:fld id="{BAFBD940-02ED-46BD-8F78-E6742406428C}" type="datetimeFigureOut">
               <a:rPr lang="fr-FR" smtClean="0"/>
-              <a:t>06/05/2024</a:t>
+              <a:t>22/05/2024</a:t>
             </a:fld>
             <a:endParaRPr lang="fr-FR"/>
           </a:p>
@@ -8209,7 +8214,7 @@
           <a:p>
             <a:fld id="{BAFBD940-02ED-46BD-8F78-E6742406428C}" type="datetimeFigureOut">
               <a:rPr lang="fr-FR" smtClean="0"/>
-              <a:t>06/05/2024</a:t>
+              <a:t>22/05/2024</a:t>
             </a:fld>
             <a:endParaRPr lang="fr-FR"/>
           </a:p>
@@ -8327,7 +8332,7 @@
           <a:p>
             <a:fld id="{BAFBD940-02ED-46BD-8F78-E6742406428C}" type="datetimeFigureOut">
               <a:rPr lang="fr-FR" smtClean="0"/>
-              <a:t>06/05/2024</a:t>
+              <a:t>22/05/2024</a:t>
             </a:fld>
             <a:endParaRPr lang="fr-FR"/>
           </a:p>
@@ -8422,7 +8427,7 @@
           <a:p>
             <a:fld id="{BAFBD940-02ED-46BD-8F78-E6742406428C}" type="datetimeFigureOut">
               <a:rPr lang="fr-FR" smtClean="0"/>
-              <a:t>06/05/2024</a:t>
+              <a:t>22/05/2024</a:t>
             </a:fld>
             <a:endParaRPr lang="fr-FR"/>
           </a:p>
@@ -8671,7 +8676,7 @@
           <a:p>
             <a:fld id="{BAFBD940-02ED-46BD-8F78-E6742406428C}" type="datetimeFigureOut">
               <a:rPr lang="fr-FR" smtClean="0"/>
-              <a:t>06/05/2024</a:t>
+              <a:t>22/05/2024</a:t>
             </a:fld>
             <a:endParaRPr lang="fr-FR"/>
           </a:p>
@@ -8951,7 +8956,7 @@
           <a:p>
             <a:fld id="{BAFBD940-02ED-46BD-8F78-E6742406428C}" type="datetimeFigureOut">
               <a:rPr lang="fr-FR" smtClean="0"/>
-              <a:t>06/05/2024</a:t>
+              <a:t>22/05/2024</a:t>
             </a:fld>
             <a:endParaRPr lang="fr-FR"/>
           </a:p>
@@ -9074,7 +9079,7 @@
           <a:noFill/>
           <a:extLst>
             <a:ext uri="{909E8E84-426E-40dd-AFC4-6F175D3DCCD1}">
-              <a14:hiddenFill xmlns:a14="http://schemas.microsoft.com/office/drawing/2010/main" xmlns="">
+              <a14:hiddenFill xmlns="" xmlns:a14="http://schemas.microsoft.com/office/drawing/2010/main">
                 <a:solidFill>
                   <a:srgbClr val="FFFFFF"/>
                 </a:solidFill>
@@ -9148,7 +9153,7 @@
               </a:ln>
               <a:extLst>
                 <a:ext uri="{91240B29-F687-4f45-9708-019B960494DF}">
-                  <a14:hiddenLine xmlns:a14="http://schemas.microsoft.com/office/drawing/2010/main" xmlns="" w="9525">
+                  <a14:hiddenLine xmlns="" xmlns:a14="http://schemas.microsoft.com/office/drawing/2010/main" w="9525">
                     <a:solidFill>
                       <a:srgbClr val="000000"/>
                     </a:solidFill>
@@ -9238,7 +9243,7 @@
               </a:ln>
               <a:extLst>
                 <a:ext uri="{91240B29-F687-4f45-9708-019B960494DF}">
-                  <a14:hiddenLine xmlns:a14="http://schemas.microsoft.com/office/drawing/2010/main" xmlns="" w="9525">
+                  <a14:hiddenLine xmlns="" xmlns:a14="http://schemas.microsoft.com/office/drawing/2010/main" w="9525">
                     <a:solidFill>
                       <a:srgbClr val="000000"/>
                     </a:solidFill>
@@ -9328,7 +9333,7 @@
               </a:ln>
               <a:extLst>
                 <a:ext uri="{91240B29-F687-4f45-9708-019B960494DF}">
-                  <a14:hiddenLine xmlns:a14="http://schemas.microsoft.com/office/drawing/2010/main" xmlns="" w="9525">
+                  <a14:hiddenLine xmlns="" xmlns:a14="http://schemas.microsoft.com/office/drawing/2010/main" w="9525">
                     <a:solidFill>
                       <a:srgbClr val="000000"/>
                     </a:solidFill>
@@ -9390,7 +9395,7 @@
               </a:ln>
               <a:extLst>
                 <a:ext uri="{91240B29-F687-4f45-9708-019B960494DF}">
-                  <a14:hiddenLine xmlns:a14="http://schemas.microsoft.com/office/drawing/2010/main" xmlns="" w="9525">
+                  <a14:hiddenLine xmlns="" xmlns:a14="http://schemas.microsoft.com/office/drawing/2010/main" w="9525">
                     <a:solidFill>
                       <a:srgbClr val="000000"/>
                     </a:solidFill>
@@ -9480,7 +9485,7 @@
               </a:ln>
               <a:extLst>
                 <a:ext uri="{91240B29-F687-4f45-9708-019B960494DF}">
-                  <a14:hiddenLine xmlns:a14="http://schemas.microsoft.com/office/drawing/2010/main" xmlns="" w="9525">
+                  <a14:hiddenLine xmlns="" xmlns:a14="http://schemas.microsoft.com/office/drawing/2010/main" w="9525">
                     <a:solidFill>
                       <a:srgbClr val="000000"/>
                     </a:solidFill>
@@ -9542,7 +9547,7 @@
               </a:ln>
               <a:extLst>
                 <a:ext uri="{91240B29-F687-4f45-9708-019B960494DF}">
-                  <a14:hiddenLine xmlns:a14="http://schemas.microsoft.com/office/drawing/2010/main" xmlns="" w="9525">
+                  <a14:hiddenLine xmlns="" xmlns:a14="http://schemas.microsoft.com/office/drawing/2010/main" w="9525">
                     <a:solidFill>
                       <a:srgbClr val="000000"/>
                     </a:solidFill>
@@ -9604,7 +9609,7 @@
               </a:ln>
               <a:extLst>
                 <a:ext uri="{91240B29-F687-4f45-9708-019B960494DF}">
-                  <a14:hiddenLine xmlns:a14="http://schemas.microsoft.com/office/drawing/2010/main" xmlns="" w="9525">
+                  <a14:hiddenLine xmlns="" xmlns:a14="http://schemas.microsoft.com/office/drawing/2010/main" w="9525">
                     <a:solidFill>
                       <a:srgbClr val="000000"/>
                     </a:solidFill>
@@ -9694,7 +9699,7 @@
               </a:ln>
               <a:extLst>
                 <a:ext uri="{91240B29-F687-4f45-9708-019B960494DF}">
-                  <a14:hiddenLine xmlns:a14="http://schemas.microsoft.com/office/drawing/2010/main" xmlns="" w="9525">
+                  <a14:hiddenLine xmlns="" xmlns:a14="http://schemas.microsoft.com/office/drawing/2010/main" w="9525">
                     <a:solidFill>
                       <a:srgbClr val="000000"/>
                     </a:solidFill>
@@ -9784,7 +9789,7 @@
               </a:ln>
               <a:extLst>
                 <a:ext uri="{91240B29-F687-4f45-9708-019B960494DF}">
-                  <a14:hiddenLine xmlns:a14="http://schemas.microsoft.com/office/drawing/2010/main" xmlns="" w="9525">
+                  <a14:hiddenLine xmlns="" xmlns:a14="http://schemas.microsoft.com/office/drawing/2010/main" w="9525">
                     <a:solidFill>
                       <a:srgbClr val="000000"/>
                     </a:solidFill>
@@ -9846,7 +9851,7 @@
               </a:ln>
               <a:extLst>
                 <a:ext uri="{91240B29-F687-4f45-9708-019B960494DF}">
-                  <a14:hiddenLine xmlns:a14="http://schemas.microsoft.com/office/drawing/2010/main" xmlns="" w="9525">
+                  <a14:hiddenLine xmlns="" xmlns:a14="http://schemas.microsoft.com/office/drawing/2010/main" w="9525">
                     <a:solidFill>
                       <a:srgbClr val="000000"/>
                     </a:solidFill>
@@ -9956,7 +9961,7 @@
               </a:ln>
               <a:extLst>
                 <a:ext uri="{91240B29-F687-4f45-9708-019B960494DF}">
-                  <a14:hiddenLine xmlns:a14="http://schemas.microsoft.com/office/drawing/2010/main" xmlns="" w="9525">
+                  <a14:hiddenLine xmlns="" xmlns:a14="http://schemas.microsoft.com/office/drawing/2010/main" w="9525">
                     <a:solidFill>
                       <a:srgbClr val="000000"/>
                     </a:solidFill>
@@ -10040,7 +10045,7 @@
               </a:ln>
               <a:extLst>
                 <a:ext uri="{91240B29-F687-4f45-9708-019B960494DF}">
-                  <a14:hiddenLine xmlns:a14="http://schemas.microsoft.com/office/drawing/2010/main" xmlns="" w="9525">
+                  <a14:hiddenLine xmlns="" xmlns:a14="http://schemas.microsoft.com/office/drawing/2010/main" w="9525">
                     <a:solidFill>
                       <a:srgbClr val="000000"/>
                     </a:solidFill>
@@ -10102,7 +10107,7 @@
               </a:ln>
               <a:extLst>
                 <a:ext uri="{91240B29-F687-4f45-9708-019B960494DF}">
-                  <a14:hiddenLine xmlns:a14="http://schemas.microsoft.com/office/drawing/2010/main" xmlns="" w="9525">
+                  <a14:hiddenLine xmlns="" xmlns:a14="http://schemas.microsoft.com/office/drawing/2010/main" w="9525">
                     <a:solidFill>
                       <a:srgbClr val="000000"/>
                     </a:solidFill>
@@ -10164,7 +10169,7 @@
               </a:ln>
               <a:extLst>
                 <a:ext uri="{91240B29-F687-4f45-9708-019B960494DF}">
-                  <a14:hiddenLine xmlns:a14="http://schemas.microsoft.com/office/drawing/2010/main" xmlns="" w="9525">
+                  <a14:hiddenLine xmlns="" xmlns:a14="http://schemas.microsoft.com/office/drawing/2010/main" w="9525">
                     <a:solidFill>
                       <a:srgbClr val="000000"/>
                     </a:solidFill>
@@ -10254,7 +10259,7 @@
               </a:ln>
               <a:extLst>
                 <a:ext uri="{91240B29-F687-4f45-9708-019B960494DF}">
-                  <a14:hiddenLine xmlns:a14="http://schemas.microsoft.com/office/drawing/2010/main" xmlns="" w="9525">
+                  <a14:hiddenLine xmlns="" xmlns:a14="http://schemas.microsoft.com/office/drawing/2010/main" w="9525">
                     <a:solidFill>
                       <a:srgbClr val="000000"/>
                     </a:solidFill>
@@ -10288,7 +10293,7 @@
               </a:ln>
               <a:extLst>
                 <a:ext uri="{91240B29-F687-4f45-9708-019B960494DF}">
-                  <a14:hiddenLine xmlns:a14="http://schemas.microsoft.com/office/drawing/2010/main" xmlns="" w="9525">
+                  <a14:hiddenLine xmlns="" xmlns:a14="http://schemas.microsoft.com/office/drawing/2010/main" w="9525">
                     <a:solidFill>
                       <a:srgbClr val="000000"/>
                     </a:solidFill>
@@ -10353,7 +10358,7 @@
               </a:ln>
               <a:extLst>
                 <a:ext uri="{91240B29-F687-4f45-9708-019B960494DF}">
-                  <a14:hiddenLine xmlns:a14="http://schemas.microsoft.com/office/drawing/2010/main" xmlns="" w="9525">
+                  <a14:hiddenLine xmlns="" xmlns:a14="http://schemas.microsoft.com/office/drawing/2010/main" w="9525">
                     <a:solidFill>
                       <a:srgbClr val="000000"/>
                     </a:solidFill>
@@ -10443,7 +10448,7 @@
               </a:ln>
               <a:extLst>
                 <a:ext uri="{91240B29-F687-4f45-9708-019B960494DF}">
-                  <a14:hiddenLine xmlns:a14="http://schemas.microsoft.com/office/drawing/2010/main" xmlns="" w="9525">
+                  <a14:hiddenLine xmlns="" xmlns:a14="http://schemas.microsoft.com/office/drawing/2010/main" w="9525">
                     <a:solidFill>
                       <a:srgbClr val="000000"/>
                     </a:solidFill>
@@ -10505,7 +10510,7 @@
               </a:ln>
               <a:extLst>
                 <a:ext uri="{91240B29-F687-4f45-9708-019B960494DF}">
-                  <a14:hiddenLine xmlns:a14="http://schemas.microsoft.com/office/drawing/2010/main" xmlns="" w="9525">
+                  <a14:hiddenLine xmlns="" xmlns:a14="http://schemas.microsoft.com/office/drawing/2010/main" w="9525">
                     <a:solidFill>
                       <a:srgbClr val="000000"/>
                     </a:solidFill>
@@ -10595,7 +10600,7 @@
               </a:ln>
               <a:extLst>
                 <a:ext uri="{91240B29-F687-4f45-9708-019B960494DF}">
-                  <a14:hiddenLine xmlns:a14="http://schemas.microsoft.com/office/drawing/2010/main" xmlns="" w="9525">
+                  <a14:hiddenLine xmlns="" xmlns:a14="http://schemas.microsoft.com/office/drawing/2010/main" w="9525">
                     <a:solidFill>
                       <a:srgbClr val="000000"/>
                     </a:solidFill>
@@ -10660,7 +10665,7 @@
               </a:ln>
               <a:extLst>
                 <a:ext uri="{91240B29-F687-4f45-9708-019B960494DF}">
-                  <a14:hiddenLine xmlns:a14="http://schemas.microsoft.com/office/drawing/2010/main" xmlns="" w="9525">
+                  <a14:hiddenLine xmlns="" xmlns:a14="http://schemas.microsoft.com/office/drawing/2010/main" w="9525">
                     <a:solidFill>
                       <a:srgbClr val="000000"/>
                     </a:solidFill>
@@ -10722,7 +10727,7 @@
               </a:ln>
               <a:extLst>
                 <a:ext uri="{91240B29-F687-4f45-9708-019B960494DF}">
-                  <a14:hiddenLine xmlns:a14="http://schemas.microsoft.com/office/drawing/2010/main" xmlns="" w="9525">
+                  <a14:hiddenLine xmlns="" xmlns:a14="http://schemas.microsoft.com/office/drawing/2010/main" w="9525">
                     <a:solidFill>
                       <a:srgbClr val="000000"/>
                     </a:solidFill>
@@ -10812,7 +10817,7 @@
               </a:ln>
               <a:extLst>
                 <a:ext uri="{91240B29-F687-4f45-9708-019B960494DF}">
-                  <a14:hiddenLine xmlns:a14="http://schemas.microsoft.com/office/drawing/2010/main" xmlns="" w="9525">
+                  <a14:hiddenLine xmlns="" xmlns:a14="http://schemas.microsoft.com/office/drawing/2010/main" w="9525">
                     <a:solidFill>
                       <a:srgbClr val="000000"/>
                     </a:solidFill>
@@ -10902,7 +10907,7 @@
               </a:ln>
               <a:extLst>
                 <a:ext uri="{91240B29-F687-4f45-9708-019B960494DF}">
-                  <a14:hiddenLine xmlns:a14="http://schemas.microsoft.com/office/drawing/2010/main" xmlns="" w="9525">
+                  <a14:hiddenLine xmlns="" xmlns:a14="http://schemas.microsoft.com/office/drawing/2010/main" w="9525">
                     <a:solidFill>
                       <a:srgbClr val="000000"/>
                     </a:solidFill>
@@ -10967,7 +10972,7 @@
               </a:ln>
               <a:extLst>
                 <a:ext uri="{91240B29-F687-4f45-9708-019B960494DF}">
-                  <a14:hiddenLine xmlns:a14="http://schemas.microsoft.com/office/drawing/2010/main" xmlns="" w="9525">
+                  <a14:hiddenLine xmlns="" xmlns:a14="http://schemas.microsoft.com/office/drawing/2010/main" w="9525">
                     <a:solidFill>
                       <a:srgbClr val="000000"/>
                     </a:solidFill>
@@ -11087,7 +11092,7 @@
               </a:ln>
               <a:extLst>
                 <a:ext uri="{91240B29-F687-4f45-9708-019B960494DF}">
-                  <a14:hiddenLine xmlns:a14="http://schemas.microsoft.com/office/drawing/2010/main" xmlns="" w="9525">
+                  <a14:hiddenLine xmlns="" xmlns:a14="http://schemas.microsoft.com/office/drawing/2010/main" w="9525">
                     <a:solidFill>
                       <a:srgbClr val="000000"/>
                     </a:solidFill>
@@ -11185,7 +11190,7 @@
               </a:ln>
               <a:extLst>
                 <a:ext uri="{91240B29-F687-4f45-9708-019B960494DF}">
-                  <a14:hiddenLine xmlns:a14="http://schemas.microsoft.com/office/drawing/2010/main" xmlns="" w="9525">
+                  <a14:hiddenLine xmlns="" xmlns:a14="http://schemas.microsoft.com/office/drawing/2010/main" w="9525">
                     <a:solidFill>
                       <a:srgbClr val="000000"/>
                     </a:solidFill>
@@ -11300,7 +11305,7 @@
               </a:ln>
               <a:extLst>
                 <a:ext uri="{91240B29-F687-4f45-9708-019B960494DF}">
-                  <a14:hiddenLine xmlns:a14="http://schemas.microsoft.com/office/drawing/2010/main" xmlns="" w="9525">
+                  <a14:hiddenLine xmlns="" xmlns:a14="http://schemas.microsoft.com/office/drawing/2010/main" w="9525">
                     <a:solidFill>
                       <a:srgbClr val="000000"/>
                     </a:solidFill>
@@ -11390,7 +11395,7 @@
               </a:ln>
               <a:extLst>
                 <a:ext uri="{91240B29-F687-4f45-9708-019B960494DF}">
-                  <a14:hiddenLine xmlns:a14="http://schemas.microsoft.com/office/drawing/2010/main" xmlns="" w="9525">
+                  <a14:hiddenLine xmlns="" xmlns:a14="http://schemas.microsoft.com/office/drawing/2010/main" w="9525">
                     <a:solidFill>
                       <a:srgbClr val="000000"/>
                     </a:solidFill>
@@ -11455,7 +11460,7 @@
               </a:ln>
               <a:extLst>
                 <a:ext uri="{91240B29-F687-4f45-9708-019B960494DF}">
-                  <a14:hiddenLine xmlns:a14="http://schemas.microsoft.com/office/drawing/2010/main" xmlns="" w="9525">
+                  <a14:hiddenLine xmlns="" xmlns:a14="http://schemas.microsoft.com/office/drawing/2010/main" w="9525">
                     <a:solidFill>
                       <a:srgbClr val="000000"/>
                     </a:solidFill>
@@ -11545,7 +11550,7 @@
               </a:ln>
               <a:extLst>
                 <a:ext uri="{91240B29-F687-4f45-9708-019B960494DF}">
-                  <a14:hiddenLine xmlns:a14="http://schemas.microsoft.com/office/drawing/2010/main" xmlns="" w="9525">
+                  <a14:hiddenLine xmlns="" xmlns:a14="http://schemas.microsoft.com/office/drawing/2010/main" w="9525">
                     <a:solidFill>
                       <a:srgbClr val="000000"/>
                     </a:solidFill>
@@ -11613,7 +11618,7 @@
               </a:ln>
               <a:extLst>
                 <a:ext uri="{91240B29-F687-4f45-9708-019B960494DF}">
-                  <a14:hiddenLine xmlns:a14="http://schemas.microsoft.com/office/drawing/2010/main" xmlns="" w="9525">
+                  <a14:hiddenLine xmlns="" xmlns:a14="http://schemas.microsoft.com/office/drawing/2010/main" w="9525">
                     <a:solidFill>
                       <a:srgbClr val="000000"/>
                     </a:solidFill>
@@ -11703,7 +11708,7 @@
               </a:ln>
               <a:extLst>
                 <a:ext uri="{91240B29-F687-4f45-9708-019B960494DF}">
-                  <a14:hiddenLine xmlns:a14="http://schemas.microsoft.com/office/drawing/2010/main" xmlns="" w="9525">
+                  <a14:hiddenLine xmlns="" xmlns:a14="http://schemas.microsoft.com/office/drawing/2010/main" w="9525">
                     <a:solidFill>
                       <a:srgbClr val="000000"/>
                     </a:solidFill>
@@ -11771,7 +11776,7 @@
               </a:ln>
               <a:extLst>
                 <a:ext uri="{91240B29-F687-4f45-9708-019B960494DF}">
-                  <a14:hiddenLine xmlns:a14="http://schemas.microsoft.com/office/drawing/2010/main" xmlns="" w="9525">
+                  <a14:hiddenLine xmlns="" xmlns:a14="http://schemas.microsoft.com/office/drawing/2010/main" w="9525">
                     <a:solidFill>
                       <a:srgbClr val="000000"/>
                     </a:solidFill>
@@ -11861,7 +11866,7 @@
               </a:ln>
               <a:extLst>
                 <a:ext uri="{91240B29-F687-4f45-9708-019B960494DF}">
-                  <a14:hiddenLine xmlns:a14="http://schemas.microsoft.com/office/drawing/2010/main" xmlns="" w="9525">
+                  <a14:hiddenLine xmlns="" xmlns:a14="http://schemas.microsoft.com/office/drawing/2010/main" w="9525">
                     <a:solidFill>
                       <a:srgbClr val="000000"/>
                     </a:solidFill>
@@ -11895,7 +11900,7 @@
               </a:ln>
               <a:extLst>
                 <a:ext uri="{91240B29-F687-4f45-9708-019B960494DF}">
-                  <a14:hiddenLine xmlns:a14="http://schemas.microsoft.com/office/drawing/2010/main" xmlns="" w="9525">
+                  <a14:hiddenLine xmlns="" xmlns:a14="http://schemas.microsoft.com/office/drawing/2010/main" w="9525">
                     <a:solidFill>
                       <a:srgbClr val="000000"/>
                     </a:solidFill>
@@ -12035,7 +12040,7 @@
           <a:p>
             <a:fld id="{BAFBD940-02ED-46BD-8F78-E6742406428C}" type="datetimeFigureOut">
               <a:rPr lang="fr-FR" smtClean="0"/>
-              <a:t>06/05/2024</a:t>
+              <a:t>22/05/2024</a:t>
             </a:fld>
             <a:endParaRPr lang="fr-FR"/>
           </a:p>
@@ -13574,10 +13579,10 @@
       </p:pic>
       <p:pic>
         <p:nvPicPr>
-          <p:cNvPr id="12" name="Image 11" descr="Une image contenant texte, capture d’écran, Page web, Site web&#10;&#10;Description générée automatiquement">
+          <p:cNvPr id="5" name="Image 4" descr="Une image contenant texte, capture d’écran&#10;&#10;Description générée automatiquement">
             <a:extLst>
               <a:ext uri="{FF2B5EF4-FFF2-40B4-BE49-F238E27FC236}">
-                <a16:creationId xmlns:a16="http://schemas.microsoft.com/office/drawing/2014/main" id="{EBB2878A-4205-E601-AEC1-9BBE6838C51E}"/>
+                <a16:creationId xmlns:a16="http://schemas.microsoft.com/office/drawing/2014/main" id="{509BC6E0-4814-BE89-CA01-CF239FF92201}"/>
               </a:ext>
             </a:extLst>
           </p:cNvPr>
@@ -13600,8 +13605,8 @@
         </p:blipFill>
         <p:spPr>
           <a:xfrm>
-            <a:off x="5891842" y="1895768"/>
-            <a:ext cx="5155569" cy="4343714"/>
+            <a:off x="7027264" y="1896232"/>
+            <a:ext cx="4020147" cy="4343250"/>
           </a:xfrm>
           <a:prstGeom prst="rect">
             <a:avLst/>

--- a/BIARD_Sunny_3_veille_052024.pptx
+++ b/BIARD_Sunny_3_veille_052024.pptx
@@ -179,7 +179,7 @@
           <a:noFill/>
           <a:extLst>
             <a:ext uri="{909E8E84-426E-40dd-AFC4-6F175D3DCCD1}">
-              <a14:hiddenFill xmlns="" xmlns:a14="http://schemas.microsoft.com/office/drawing/2010/main">
+              <a14:hiddenFill xmlns:a14="http://schemas.microsoft.com/office/drawing/2010/main" xmlns="">
                 <a:solidFill>
                   <a:srgbClr val="FFFFFF"/>
                 </a:solidFill>
@@ -239,7 +239,7 @@
             </a:ln>
             <a:extLst>
               <a:ext uri="{91240B29-F687-4f45-9708-019B960494DF}">
-                <a14:hiddenLine xmlns="" xmlns:a14="http://schemas.microsoft.com/office/drawing/2010/main" w="9525">
+                <a14:hiddenLine xmlns:a14="http://schemas.microsoft.com/office/drawing/2010/main" xmlns="" w="9525">
                   <a:solidFill>
                     <a:srgbClr val="000000"/>
                   </a:solidFill>
@@ -329,7 +329,7 @@
             </a:ln>
             <a:extLst>
               <a:ext uri="{91240B29-F687-4f45-9708-019B960494DF}">
-                <a14:hiddenLine xmlns="" xmlns:a14="http://schemas.microsoft.com/office/drawing/2010/main" w="9525">
+                <a14:hiddenLine xmlns:a14="http://schemas.microsoft.com/office/drawing/2010/main" xmlns="" w="9525">
                   <a:solidFill>
                     <a:srgbClr val="000000"/>
                   </a:solidFill>
@@ -419,7 +419,7 @@
             </a:ln>
             <a:extLst>
               <a:ext uri="{91240B29-F687-4f45-9708-019B960494DF}">
-                <a14:hiddenLine xmlns="" xmlns:a14="http://schemas.microsoft.com/office/drawing/2010/main" w="9525">
+                <a14:hiddenLine xmlns:a14="http://schemas.microsoft.com/office/drawing/2010/main" xmlns="" w="9525">
                   <a:solidFill>
                     <a:srgbClr val="000000"/>
                   </a:solidFill>
@@ -453,7 +453,7 @@
             </a:ln>
             <a:extLst>
               <a:ext uri="{91240B29-F687-4f45-9708-019B960494DF}">
-                <a14:hiddenLine xmlns="" xmlns:a14="http://schemas.microsoft.com/office/drawing/2010/main" w="9525">
+                <a14:hiddenLine xmlns:a14="http://schemas.microsoft.com/office/drawing/2010/main" xmlns="" w="9525">
                   <a:solidFill>
                     <a:srgbClr val="000000"/>
                   </a:solidFill>
@@ -543,7 +543,7 @@
             </a:ln>
             <a:extLst>
               <a:ext uri="{91240B29-F687-4f45-9708-019B960494DF}">
-                <a14:hiddenLine xmlns="" xmlns:a14="http://schemas.microsoft.com/office/drawing/2010/main" w="9525">
+                <a14:hiddenLine xmlns:a14="http://schemas.microsoft.com/office/drawing/2010/main" xmlns="" w="9525">
                   <a:solidFill>
                     <a:srgbClr val="000000"/>
                   </a:solidFill>
@@ -605,7 +605,7 @@
             </a:ln>
             <a:extLst>
               <a:ext uri="{91240B29-F687-4f45-9708-019B960494DF}">
-                <a14:hiddenLine xmlns="" xmlns:a14="http://schemas.microsoft.com/office/drawing/2010/main" w="9525">
+                <a14:hiddenLine xmlns:a14="http://schemas.microsoft.com/office/drawing/2010/main" xmlns="" w="9525">
                   <a:solidFill>
                     <a:srgbClr val="000000"/>
                   </a:solidFill>
@@ -667,7 +667,7 @@
             </a:ln>
             <a:extLst>
               <a:ext uri="{91240B29-F687-4f45-9708-019B960494DF}">
-                <a14:hiddenLine xmlns="" xmlns:a14="http://schemas.microsoft.com/office/drawing/2010/main" w="9525">
+                <a14:hiddenLine xmlns:a14="http://schemas.microsoft.com/office/drawing/2010/main" xmlns="" w="9525">
                   <a:solidFill>
                     <a:srgbClr val="000000"/>
                   </a:solidFill>
@@ -757,7 +757,7 @@
             </a:ln>
             <a:extLst>
               <a:ext uri="{91240B29-F687-4f45-9708-019B960494DF}">
-                <a14:hiddenLine xmlns="" xmlns:a14="http://schemas.microsoft.com/office/drawing/2010/main" w="9525">
+                <a14:hiddenLine xmlns:a14="http://schemas.microsoft.com/office/drawing/2010/main" xmlns="" w="9525">
                   <a:solidFill>
                     <a:srgbClr val="000000"/>
                   </a:solidFill>
@@ -819,7 +819,7 @@
             </a:ln>
             <a:extLst>
               <a:ext uri="{91240B29-F687-4f45-9708-019B960494DF}">
-                <a14:hiddenLine xmlns="" xmlns:a14="http://schemas.microsoft.com/office/drawing/2010/main" w="9525">
+                <a14:hiddenLine xmlns:a14="http://schemas.microsoft.com/office/drawing/2010/main" xmlns="" w="9525">
                   <a:solidFill>
                     <a:srgbClr val="000000"/>
                   </a:solidFill>
@@ -881,7 +881,7 @@
             </a:ln>
             <a:extLst>
               <a:ext uri="{91240B29-F687-4f45-9708-019B960494DF}">
-                <a14:hiddenLine xmlns="" xmlns:a14="http://schemas.microsoft.com/office/drawing/2010/main" w="9525">
+                <a14:hiddenLine xmlns:a14="http://schemas.microsoft.com/office/drawing/2010/main" xmlns="" w="9525">
                   <a:solidFill>
                     <a:srgbClr val="000000"/>
                   </a:solidFill>
@@ -971,7 +971,7 @@
             </a:ln>
             <a:extLst>
               <a:ext uri="{91240B29-F687-4f45-9708-019B960494DF}">
-                <a14:hiddenLine xmlns="" xmlns:a14="http://schemas.microsoft.com/office/drawing/2010/main" w="9525">
+                <a14:hiddenLine xmlns:a14="http://schemas.microsoft.com/office/drawing/2010/main" xmlns="" w="9525">
                   <a:solidFill>
                     <a:srgbClr val="000000"/>
                   </a:solidFill>
@@ -1061,7 +1061,7 @@
             </a:ln>
             <a:extLst>
               <a:ext uri="{91240B29-F687-4f45-9708-019B960494DF}">
-                <a14:hiddenLine xmlns="" xmlns:a14="http://schemas.microsoft.com/office/drawing/2010/main" w="9525">
+                <a14:hiddenLine xmlns:a14="http://schemas.microsoft.com/office/drawing/2010/main" xmlns="" w="9525">
                   <a:solidFill>
                     <a:srgbClr val="000000"/>
                   </a:solidFill>
@@ -1123,7 +1123,7 @@
             </a:ln>
             <a:extLst>
               <a:ext uri="{91240B29-F687-4f45-9708-019B960494DF}">
-                <a14:hiddenLine xmlns="" xmlns:a14="http://schemas.microsoft.com/office/drawing/2010/main" w="9525">
+                <a14:hiddenLine xmlns:a14="http://schemas.microsoft.com/office/drawing/2010/main" xmlns="" w="9525">
                   <a:solidFill>
                     <a:srgbClr val="000000"/>
                   </a:solidFill>
@@ -1233,7 +1233,7 @@
             </a:ln>
             <a:extLst>
               <a:ext uri="{91240B29-F687-4f45-9708-019B960494DF}">
-                <a14:hiddenLine xmlns="" xmlns:a14="http://schemas.microsoft.com/office/drawing/2010/main" w="9525">
+                <a14:hiddenLine xmlns:a14="http://schemas.microsoft.com/office/drawing/2010/main" xmlns="" w="9525">
                   <a:solidFill>
                     <a:srgbClr val="000000"/>
                   </a:solidFill>
@@ -1295,7 +1295,7 @@
             </a:ln>
             <a:extLst>
               <a:ext uri="{91240B29-F687-4f45-9708-019B960494DF}">
-                <a14:hiddenLine xmlns="" xmlns:a14="http://schemas.microsoft.com/office/drawing/2010/main" w="9525">
+                <a14:hiddenLine xmlns:a14="http://schemas.microsoft.com/office/drawing/2010/main" xmlns="" w="9525">
                   <a:solidFill>
                     <a:srgbClr val="000000"/>
                   </a:solidFill>
@@ -1385,7 +1385,7 @@
             </a:ln>
             <a:extLst>
               <a:ext uri="{91240B29-F687-4f45-9708-019B960494DF}">
-                <a14:hiddenLine xmlns="" xmlns:a14="http://schemas.microsoft.com/office/drawing/2010/main" w="9525">
+                <a14:hiddenLine xmlns:a14="http://schemas.microsoft.com/office/drawing/2010/main" xmlns="" w="9525">
                   <a:solidFill>
                     <a:srgbClr val="000000"/>
                   </a:solidFill>
@@ -1475,7 +1475,7 @@
             </a:ln>
             <a:extLst>
               <a:ext uri="{91240B29-F687-4f45-9708-019B960494DF}">
-                <a14:hiddenLine xmlns="" xmlns:a14="http://schemas.microsoft.com/office/drawing/2010/main" w="9525">
+                <a14:hiddenLine xmlns:a14="http://schemas.microsoft.com/office/drawing/2010/main" xmlns="" w="9525">
                   <a:solidFill>
                     <a:srgbClr val="000000"/>
                   </a:solidFill>
@@ -1537,7 +1537,7 @@
             </a:ln>
             <a:extLst>
               <a:ext uri="{91240B29-F687-4f45-9708-019B960494DF}">
-                <a14:hiddenLine xmlns="" xmlns:a14="http://schemas.microsoft.com/office/drawing/2010/main" w="9525">
+                <a14:hiddenLine xmlns:a14="http://schemas.microsoft.com/office/drawing/2010/main" xmlns="" w="9525">
                   <a:solidFill>
                     <a:srgbClr val="000000"/>
                   </a:solidFill>
@@ -1627,7 +1627,7 @@
             </a:ln>
             <a:extLst>
               <a:ext uri="{91240B29-F687-4f45-9708-019B960494DF}">
-                <a14:hiddenLine xmlns="" xmlns:a14="http://schemas.microsoft.com/office/drawing/2010/main" w="9525">
+                <a14:hiddenLine xmlns:a14="http://schemas.microsoft.com/office/drawing/2010/main" xmlns="" w="9525">
                   <a:solidFill>
                     <a:srgbClr val="000000"/>
                   </a:solidFill>
@@ -1717,7 +1717,7 @@
             </a:ln>
             <a:extLst>
               <a:ext uri="{91240B29-F687-4f45-9708-019B960494DF}">
-                <a14:hiddenLine xmlns="" xmlns:a14="http://schemas.microsoft.com/office/drawing/2010/main" w="9525">
+                <a14:hiddenLine xmlns:a14="http://schemas.microsoft.com/office/drawing/2010/main" xmlns="" w="9525">
                   <a:solidFill>
                     <a:srgbClr val="000000"/>
                   </a:solidFill>
@@ -1773,7 +1773,7 @@
             </a:ln>
             <a:extLst>
               <a:ext uri="{91240B29-F687-4f45-9708-019B960494DF}">
-                <a14:hiddenLine xmlns="" xmlns:a14="http://schemas.microsoft.com/office/drawing/2010/main" w="9525">
+                <a14:hiddenLine xmlns:a14="http://schemas.microsoft.com/office/drawing/2010/main" xmlns="" w="9525">
                   <a:solidFill>
                     <a:srgbClr val="000000"/>
                   </a:solidFill>
@@ -1863,7 +1863,7 @@
             </a:ln>
             <a:extLst>
               <a:ext uri="{91240B29-F687-4f45-9708-019B960494DF}">
-                <a14:hiddenLine xmlns="" xmlns:a14="http://schemas.microsoft.com/office/drawing/2010/main" w="9525">
+                <a14:hiddenLine xmlns:a14="http://schemas.microsoft.com/office/drawing/2010/main" xmlns="" w="9525">
                   <a:solidFill>
                     <a:srgbClr val="000000"/>
                   </a:solidFill>
@@ -1919,7 +1919,7 @@
             </a:ln>
             <a:extLst>
               <a:ext uri="{91240B29-F687-4f45-9708-019B960494DF}">
-                <a14:hiddenLine xmlns="" xmlns:a14="http://schemas.microsoft.com/office/drawing/2010/main" w="9525">
+                <a14:hiddenLine xmlns:a14="http://schemas.microsoft.com/office/drawing/2010/main" xmlns="" w="9525">
                   <a:solidFill>
                     <a:srgbClr val="000000"/>
                   </a:solidFill>
@@ -2009,7 +2009,7 @@
             </a:ln>
             <a:extLst>
               <a:ext uri="{91240B29-F687-4f45-9708-019B960494DF}">
-                <a14:hiddenLine xmlns="" xmlns:a14="http://schemas.microsoft.com/office/drawing/2010/main" w="9525">
+                <a14:hiddenLine xmlns:a14="http://schemas.microsoft.com/office/drawing/2010/main" xmlns="" w="9525">
                   <a:solidFill>
                     <a:srgbClr val="000000"/>
                   </a:solidFill>
@@ -2077,7 +2077,7 @@
             </a:ln>
             <a:extLst>
               <a:ext uri="{91240B29-F687-4f45-9708-019B960494DF}">
-                <a14:hiddenLine xmlns="" xmlns:a14="http://schemas.microsoft.com/office/drawing/2010/main" w="9525">
+                <a14:hiddenLine xmlns:a14="http://schemas.microsoft.com/office/drawing/2010/main" xmlns="" w="9525">
                   <a:solidFill>
                     <a:srgbClr val="000000"/>
                   </a:solidFill>
@@ -2167,7 +2167,7 @@
             </a:ln>
             <a:extLst>
               <a:ext uri="{91240B29-F687-4f45-9708-019B960494DF}">
-                <a14:hiddenLine xmlns="" xmlns:a14="http://schemas.microsoft.com/office/drawing/2010/main" w="9525">
+                <a14:hiddenLine xmlns:a14="http://schemas.microsoft.com/office/drawing/2010/main" xmlns="" w="9525">
                   <a:solidFill>
                     <a:srgbClr val="000000"/>
                   </a:solidFill>
@@ -2235,7 +2235,7 @@
             </a:ln>
             <a:extLst>
               <a:ext uri="{91240B29-F687-4f45-9708-019B960494DF}">
-                <a14:hiddenLine xmlns="" xmlns:a14="http://schemas.microsoft.com/office/drawing/2010/main" w="9525">
+                <a14:hiddenLine xmlns:a14="http://schemas.microsoft.com/office/drawing/2010/main" xmlns="" w="9525">
                   <a:solidFill>
                     <a:srgbClr val="000000"/>
                   </a:solidFill>
@@ -2325,7 +2325,7 @@
             </a:ln>
             <a:extLst>
               <a:ext uri="{91240B29-F687-4f45-9708-019B960494DF}">
-                <a14:hiddenLine xmlns="" xmlns:a14="http://schemas.microsoft.com/office/drawing/2010/main" w="9525">
+                <a14:hiddenLine xmlns:a14="http://schemas.microsoft.com/office/drawing/2010/main" xmlns="" w="9525">
                   <a:solidFill>
                     <a:srgbClr val="000000"/>
                   </a:solidFill>
@@ -2359,7 +2359,7 @@
             </a:ln>
             <a:extLst>
               <a:ext uri="{91240B29-F687-4f45-9708-019B960494DF}">
-                <a14:hiddenLine xmlns="" xmlns:a14="http://schemas.microsoft.com/office/drawing/2010/main" w="9525">
+                <a14:hiddenLine xmlns:a14="http://schemas.microsoft.com/office/drawing/2010/main" xmlns="" w="9525">
                   <a:solidFill>
                     <a:srgbClr val="000000"/>
                   </a:solidFill>
@@ -2449,7 +2449,7 @@
             </a:ln>
             <a:extLst>
               <a:ext uri="{91240B29-F687-4f45-9708-019B960494DF}">
-                <a14:hiddenLine xmlns="" xmlns:a14="http://schemas.microsoft.com/office/drawing/2010/main" w="9525">
+                <a14:hiddenLine xmlns:a14="http://schemas.microsoft.com/office/drawing/2010/main" xmlns="" w="9525">
                   <a:solidFill>
                     <a:srgbClr val="000000"/>
                   </a:solidFill>
@@ -2511,7 +2511,7 @@
             </a:ln>
             <a:extLst>
               <a:ext uri="{91240B29-F687-4f45-9708-019B960494DF}">
-                <a14:hiddenLine xmlns="" xmlns:a14="http://schemas.microsoft.com/office/drawing/2010/main" w="9525">
+                <a14:hiddenLine xmlns:a14="http://schemas.microsoft.com/office/drawing/2010/main" xmlns="" w="9525">
                   <a:solidFill>
                     <a:srgbClr val="000000"/>
                   </a:solidFill>
@@ -2573,7 +2573,7 @@
             </a:ln>
             <a:extLst>
               <a:ext uri="{91240B29-F687-4f45-9708-019B960494DF}">
-                <a14:hiddenLine xmlns="" xmlns:a14="http://schemas.microsoft.com/office/drawing/2010/main" w="9525">
+                <a14:hiddenLine xmlns:a14="http://schemas.microsoft.com/office/drawing/2010/main" xmlns="" w="9525">
                   <a:solidFill>
                     <a:srgbClr val="000000"/>
                   </a:solidFill>
@@ -2663,7 +2663,7 @@
             </a:ln>
             <a:extLst>
               <a:ext uri="{91240B29-F687-4f45-9708-019B960494DF}">
-                <a14:hiddenLine xmlns="" xmlns:a14="http://schemas.microsoft.com/office/drawing/2010/main" w="9525">
+                <a14:hiddenLine xmlns:a14="http://schemas.microsoft.com/office/drawing/2010/main" xmlns="" w="9525">
                   <a:solidFill>
                     <a:srgbClr val="000000"/>
                   </a:solidFill>
@@ -2731,7 +2731,7 @@
             </a:ln>
             <a:extLst>
               <a:ext uri="{91240B29-F687-4f45-9708-019B960494DF}">
-                <a14:hiddenLine xmlns="" xmlns:a14="http://schemas.microsoft.com/office/drawing/2010/main" w="9525">
+                <a14:hiddenLine xmlns:a14="http://schemas.microsoft.com/office/drawing/2010/main" xmlns="" w="9525">
                   <a:solidFill>
                     <a:srgbClr val="000000"/>
                   </a:solidFill>
@@ -2793,7 +2793,7 @@
             </a:ln>
             <a:extLst>
               <a:ext uri="{91240B29-F687-4f45-9708-019B960494DF}">
-                <a14:hiddenLine xmlns="" xmlns:a14="http://schemas.microsoft.com/office/drawing/2010/main" w="9525">
+                <a14:hiddenLine xmlns:a14="http://schemas.microsoft.com/office/drawing/2010/main" xmlns="" w="9525">
                   <a:solidFill>
                     <a:srgbClr val="000000"/>
                   </a:solidFill>
@@ -2883,7 +2883,7 @@
             </a:ln>
             <a:extLst>
               <a:ext uri="{91240B29-F687-4f45-9708-019B960494DF}">
-                <a14:hiddenLine xmlns="" xmlns:a14="http://schemas.microsoft.com/office/drawing/2010/main" w="9525">
+                <a14:hiddenLine xmlns:a14="http://schemas.microsoft.com/office/drawing/2010/main" xmlns="" w="9525">
                   <a:solidFill>
                     <a:srgbClr val="000000"/>
                   </a:solidFill>
@@ -2945,7 +2945,7 @@
             </a:ln>
             <a:extLst>
               <a:ext uri="{91240B29-F687-4f45-9708-019B960494DF}">
-                <a14:hiddenLine xmlns="" xmlns:a14="http://schemas.microsoft.com/office/drawing/2010/main" w="9525">
+                <a14:hiddenLine xmlns:a14="http://schemas.microsoft.com/office/drawing/2010/main" xmlns="" w="9525">
                   <a:solidFill>
                     <a:srgbClr val="000000"/>
                   </a:solidFill>
@@ -3035,7 +3035,7 @@
             </a:ln>
             <a:extLst>
               <a:ext uri="{91240B29-F687-4f45-9708-019B960494DF}">
-                <a14:hiddenLine xmlns="" xmlns:a14="http://schemas.microsoft.com/office/drawing/2010/main" w="9525">
+                <a14:hiddenLine xmlns:a14="http://schemas.microsoft.com/office/drawing/2010/main" xmlns="" w="9525">
                   <a:solidFill>
                     <a:srgbClr val="000000"/>
                   </a:solidFill>
@@ -3097,7 +3097,7 @@
             </a:ln>
             <a:extLst>
               <a:ext uri="{91240B29-F687-4f45-9708-019B960494DF}">
-                <a14:hiddenLine xmlns="" xmlns:a14="http://schemas.microsoft.com/office/drawing/2010/main" w="9525">
+                <a14:hiddenLine xmlns:a14="http://schemas.microsoft.com/office/drawing/2010/main" xmlns="" w="9525">
                   <a:solidFill>
                     <a:srgbClr val="000000"/>
                   </a:solidFill>
@@ -3187,7 +3187,7 @@
             </a:ln>
             <a:extLst>
               <a:ext uri="{91240B29-F687-4f45-9708-019B960494DF}">
-                <a14:hiddenLine xmlns="" xmlns:a14="http://schemas.microsoft.com/office/drawing/2010/main" w="9525">
+                <a14:hiddenLine xmlns:a14="http://schemas.microsoft.com/office/drawing/2010/main" xmlns="" w="9525">
                   <a:solidFill>
                     <a:srgbClr val="000000"/>
                   </a:solidFill>
@@ -3221,7 +3221,7 @@
             </a:ln>
             <a:extLst>
               <a:ext uri="{91240B29-F687-4f45-9708-019B960494DF}">
-                <a14:hiddenLine xmlns="" xmlns:a14="http://schemas.microsoft.com/office/drawing/2010/main" w="9525">
+                <a14:hiddenLine xmlns:a14="http://schemas.microsoft.com/office/drawing/2010/main" xmlns="" w="9525">
                   <a:solidFill>
                     <a:srgbClr val="000000"/>
                   </a:solidFill>
@@ -3286,7 +3286,7 @@
             </a:ln>
             <a:extLst>
               <a:ext uri="{91240B29-F687-4f45-9708-019B960494DF}">
-                <a14:hiddenLine xmlns="" xmlns:a14="http://schemas.microsoft.com/office/drawing/2010/main" w="9525">
+                <a14:hiddenLine xmlns:a14="http://schemas.microsoft.com/office/drawing/2010/main" xmlns="" w="9525">
                   <a:solidFill>
                     <a:srgbClr val="000000"/>
                   </a:solidFill>
@@ -3376,7 +3376,7 @@
             </a:ln>
             <a:extLst>
               <a:ext uri="{91240B29-F687-4f45-9708-019B960494DF}">
-                <a14:hiddenLine xmlns="" xmlns:a14="http://schemas.microsoft.com/office/drawing/2010/main" w="9525">
+                <a14:hiddenLine xmlns:a14="http://schemas.microsoft.com/office/drawing/2010/main" xmlns="" w="9525">
                   <a:solidFill>
                     <a:srgbClr val="000000"/>
                   </a:solidFill>
@@ -3438,7 +3438,7 @@
             </a:ln>
             <a:extLst>
               <a:ext uri="{91240B29-F687-4f45-9708-019B960494DF}">
-                <a14:hiddenLine xmlns="" xmlns:a14="http://schemas.microsoft.com/office/drawing/2010/main" w="9525">
+                <a14:hiddenLine xmlns:a14="http://schemas.microsoft.com/office/drawing/2010/main" xmlns="" w="9525">
                   <a:solidFill>
                     <a:srgbClr val="000000"/>
                   </a:solidFill>
@@ -3528,7 +3528,7 @@
             </a:ln>
             <a:extLst>
               <a:ext uri="{91240B29-F687-4f45-9708-019B960494DF}">
-                <a14:hiddenLine xmlns="" xmlns:a14="http://schemas.microsoft.com/office/drawing/2010/main" w="9525">
+                <a14:hiddenLine xmlns:a14="http://schemas.microsoft.com/office/drawing/2010/main" xmlns="" w="9525">
                   <a:solidFill>
                     <a:srgbClr val="000000"/>
                   </a:solidFill>
@@ -3618,7 +3618,7 @@
             </a:ln>
             <a:extLst>
               <a:ext uri="{91240B29-F687-4f45-9708-019B960494DF}">
-                <a14:hiddenLine xmlns="" xmlns:a14="http://schemas.microsoft.com/office/drawing/2010/main" w="9525">
+                <a14:hiddenLine xmlns:a14="http://schemas.microsoft.com/office/drawing/2010/main" xmlns="" w="9525">
                   <a:solidFill>
                     <a:srgbClr val="000000"/>
                   </a:solidFill>
@@ -3683,7 +3683,7 @@
             </a:ln>
             <a:extLst>
               <a:ext uri="{91240B29-F687-4f45-9708-019B960494DF}">
-                <a14:hiddenLine xmlns="" xmlns:a14="http://schemas.microsoft.com/office/drawing/2010/main" w="9525">
+                <a14:hiddenLine xmlns:a14="http://schemas.microsoft.com/office/drawing/2010/main" xmlns="" w="9525">
                   <a:solidFill>
                     <a:srgbClr val="000000"/>
                   </a:solidFill>
@@ -3745,7 +3745,7 @@
             </a:ln>
             <a:extLst>
               <a:ext uri="{91240B29-F687-4f45-9708-019B960494DF}">
-                <a14:hiddenLine xmlns="" xmlns:a14="http://schemas.microsoft.com/office/drawing/2010/main" w="9525">
+                <a14:hiddenLine xmlns:a14="http://schemas.microsoft.com/office/drawing/2010/main" xmlns="" w="9525">
                   <a:solidFill>
                     <a:srgbClr val="000000"/>
                   </a:solidFill>
@@ -3835,7 +3835,7 @@
             </a:ln>
             <a:extLst>
               <a:ext uri="{91240B29-F687-4f45-9708-019B960494DF}">
-                <a14:hiddenLine xmlns="" xmlns:a14="http://schemas.microsoft.com/office/drawing/2010/main" w="9525">
+                <a14:hiddenLine xmlns:a14="http://schemas.microsoft.com/office/drawing/2010/main" xmlns="" w="9525">
                   <a:solidFill>
                     <a:srgbClr val="000000"/>
                   </a:solidFill>
@@ -3925,7 +3925,7 @@
             </a:ln>
             <a:extLst>
               <a:ext uri="{91240B29-F687-4f45-9708-019B960494DF}">
-                <a14:hiddenLine xmlns="" xmlns:a14="http://schemas.microsoft.com/office/drawing/2010/main" w="9525">
+                <a14:hiddenLine xmlns:a14="http://schemas.microsoft.com/office/drawing/2010/main" xmlns="" w="9525">
                   <a:solidFill>
                     <a:srgbClr val="000000"/>
                   </a:solidFill>
@@ -3987,7 +3987,7 @@
             </a:ln>
             <a:extLst>
               <a:ext uri="{91240B29-F687-4f45-9708-019B960494DF}">
-                <a14:hiddenLine xmlns="" xmlns:a14="http://schemas.microsoft.com/office/drawing/2010/main" w="9525">
+                <a14:hiddenLine xmlns:a14="http://schemas.microsoft.com/office/drawing/2010/main" xmlns="" w="9525">
                   <a:solidFill>
                     <a:srgbClr val="000000"/>
                   </a:solidFill>
@@ -4107,7 +4107,7 @@
             </a:ln>
             <a:extLst>
               <a:ext uri="{91240B29-F687-4f45-9708-019B960494DF}">
-                <a14:hiddenLine xmlns="" xmlns:a14="http://schemas.microsoft.com/office/drawing/2010/main" w="9525">
+                <a14:hiddenLine xmlns:a14="http://schemas.microsoft.com/office/drawing/2010/main" xmlns="" w="9525">
                   <a:solidFill>
                     <a:srgbClr val="000000"/>
                   </a:solidFill>
@@ -4175,7 +4175,7 @@
             </a:ln>
             <a:extLst>
               <a:ext uri="{91240B29-F687-4f45-9708-019B960494DF}">
-                <a14:hiddenLine xmlns="" xmlns:a14="http://schemas.microsoft.com/office/drawing/2010/main" w="9525">
+                <a14:hiddenLine xmlns:a14="http://schemas.microsoft.com/office/drawing/2010/main" xmlns="" w="9525">
                   <a:solidFill>
                     <a:srgbClr val="000000"/>
                   </a:solidFill>
@@ -4265,7 +4265,7 @@
             </a:ln>
             <a:extLst>
               <a:ext uri="{91240B29-F687-4f45-9708-019B960494DF}">
-                <a14:hiddenLine xmlns="" xmlns:a14="http://schemas.microsoft.com/office/drawing/2010/main" w="9525">
+                <a14:hiddenLine xmlns:a14="http://schemas.microsoft.com/office/drawing/2010/main" xmlns="" w="9525">
                   <a:solidFill>
                     <a:srgbClr val="000000"/>
                   </a:solidFill>
@@ -9079,7 +9079,7 @@
           <a:noFill/>
           <a:extLst>
             <a:ext uri="{909E8E84-426E-40dd-AFC4-6F175D3DCCD1}">
-              <a14:hiddenFill xmlns="" xmlns:a14="http://schemas.microsoft.com/office/drawing/2010/main">
+              <a14:hiddenFill xmlns:a14="http://schemas.microsoft.com/office/drawing/2010/main" xmlns="">
                 <a:solidFill>
                   <a:srgbClr val="FFFFFF"/>
                 </a:solidFill>
@@ -9153,7 +9153,7 @@
               </a:ln>
               <a:extLst>
                 <a:ext uri="{91240B29-F687-4f45-9708-019B960494DF}">
-                  <a14:hiddenLine xmlns="" xmlns:a14="http://schemas.microsoft.com/office/drawing/2010/main" w="9525">
+                  <a14:hiddenLine xmlns:a14="http://schemas.microsoft.com/office/drawing/2010/main" xmlns="" w="9525">
                     <a:solidFill>
                       <a:srgbClr val="000000"/>
                     </a:solidFill>
@@ -9243,7 +9243,7 @@
               </a:ln>
               <a:extLst>
                 <a:ext uri="{91240B29-F687-4f45-9708-019B960494DF}">
-                  <a14:hiddenLine xmlns="" xmlns:a14="http://schemas.microsoft.com/office/drawing/2010/main" w="9525">
+                  <a14:hiddenLine xmlns:a14="http://schemas.microsoft.com/office/drawing/2010/main" xmlns="" w="9525">
                     <a:solidFill>
                       <a:srgbClr val="000000"/>
                     </a:solidFill>
@@ -9333,7 +9333,7 @@
               </a:ln>
               <a:extLst>
                 <a:ext uri="{91240B29-F687-4f45-9708-019B960494DF}">
-                  <a14:hiddenLine xmlns="" xmlns:a14="http://schemas.microsoft.com/office/drawing/2010/main" w="9525">
+                  <a14:hiddenLine xmlns:a14="http://schemas.microsoft.com/office/drawing/2010/main" xmlns="" w="9525">
                     <a:solidFill>
                       <a:srgbClr val="000000"/>
                     </a:solidFill>
@@ -9395,7 +9395,7 @@
               </a:ln>
               <a:extLst>
                 <a:ext uri="{91240B29-F687-4f45-9708-019B960494DF}">
-                  <a14:hiddenLine xmlns="" xmlns:a14="http://schemas.microsoft.com/office/drawing/2010/main" w="9525">
+                  <a14:hiddenLine xmlns:a14="http://schemas.microsoft.com/office/drawing/2010/main" xmlns="" w="9525">
                     <a:solidFill>
                       <a:srgbClr val="000000"/>
                     </a:solidFill>
@@ -9485,7 +9485,7 @@
               </a:ln>
               <a:extLst>
                 <a:ext uri="{91240B29-F687-4f45-9708-019B960494DF}">
-                  <a14:hiddenLine xmlns="" xmlns:a14="http://schemas.microsoft.com/office/drawing/2010/main" w="9525">
+                  <a14:hiddenLine xmlns:a14="http://schemas.microsoft.com/office/drawing/2010/main" xmlns="" w="9525">
                     <a:solidFill>
                       <a:srgbClr val="000000"/>
                     </a:solidFill>
@@ -9547,7 +9547,7 @@
               </a:ln>
               <a:extLst>
                 <a:ext uri="{91240B29-F687-4f45-9708-019B960494DF}">
-                  <a14:hiddenLine xmlns="" xmlns:a14="http://schemas.microsoft.com/office/drawing/2010/main" w="9525">
+                  <a14:hiddenLine xmlns:a14="http://schemas.microsoft.com/office/drawing/2010/main" xmlns="" w="9525">
                     <a:solidFill>
                       <a:srgbClr val="000000"/>
                     </a:solidFill>
@@ -9609,7 +9609,7 @@
               </a:ln>
               <a:extLst>
                 <a:ext uri="{91240B29-F687-4f45-9708-019B960494DF}">
-                  <a14:hiddenLine xmlns="" xmlns:a14="http://schemas.microsoft.com/office/drawing/2010/main" w="9525">
+                  <a14:hiddenLine xmlns:a14="http://schemas.microsoft.com/office/drawing/2010/main" xmlns="" w="9525">
                     <a:solidFill>
                       <a:srgbClr val="000000"/>
                     </a:solidFill>
@@ -9699,7 +9699,7 @@
               </a:ln>
               <a:extLst>
                 <a:ext uri="{91240B29-F687-4f45-9708-019B960494DF}">
-                  <a14:hiddenLine xmlns="" xmlns:a14="http://schemas.microsoft.com/office/drawing/2010/main" w="9525">
+                  <a14:hiddenLine xmlns:a14="http://schemas.microsoft.com/office/drawing/2010/main" xmlns="" w="9525">
                     <a:solidFill>
                       <a:srgbClr val="000000"/>
                     </a:solidFill>
@@ -9789,7 +9789,7 @@
               </a:ln>
               <a:extLst>
                 <a:ext uri="{91240B29-F687-4f45-9708-019B960494DF}">
-                  <a14:hiddenLine xmlns="" xmlns:a14="http://schemas.microsoft.com/office/drawing/2010/main" w="9525">
+                  <a14:hiddenLine xmlns:a14="http://schemas.microsoft.com/office/drawing/2010/main" xmlns="" w="9525">
                     <a:solidFill>
                       <a:srgbClr val="000000"/>
                     </a:solidFill>
@@ -9851,7 +9851,7 @@
               </a:ln>
               <a:extLst>
                 <a:ext uri="{91240B29-F687-4f45-9708-019B960494DF}">
-                  <a14:hiddenLine xmlns="" xmlns:a14="http://schemas.microsoft.com/office/drawing/2010/main" w="9525">
+                  <a14:hiddenLine xmlns:a14="http://schemas.microsoft.com/office/drawing/2010/main" xmlns="" w="9525">
                     <a:solidFill>
                       <a:srgbClr val="000000"/>
                     </a:solidFill>
@@ -9961,7 +9961,7 @@
               </a:ln>
               <a:extLst>
                 <a:ext uri="{91240B29-F687-4f45-9708-019B960494DF}">
-                  <a14:hiddenLine xmlns="" xmlns:a14="http://schemas.microsoft.com/office/drawing/2010/main" w="9525">
+                  <a14:hiddenLine xmlns:a14="http://schemas.microsoft.com/office/drawing/2010/main" xmlns="" w="9525">
                     <a:solidFill>
                       <a:srgbClr val="000000"/>
                     </a:solidFill>
@@ -10045,7 +10045,7 @@
               </a:ln>
               <a:extLst>
                 <a:ext uri="{91240B29-F687-4f45-9708-019B960494DF}">
-                  <a14:hiddenLine xmlns="" xmlns:a14="http://schemas.microsoft.com/office/drawing/2010/main" w="9525">
+                  <a14:hiddenLine xmlns:a14="http://schemas.microsoft.com/office/drawing/2010/main" xmlns="" w="9525">
                     <a:solidFill>
                       <a:srgbClr val="000000"/>
                     </a:solidFill>
@@ -10107,7 +10107,7 @@
               </a:ln>
               <a:extLst>
                 <a:ext uri="{91240B29-F687-4f45-9708-019B960494DF}">
-                  <a14:hiddenLine xmlns="" xmlns:a14="http://schemas.microsoft.com/office/drawing/2010/main" w="9525">
+                  <a14:hiddenLine xmlns:a14="http://schemas.microsoft.com/office/drawing/2010/main" xmlns="" w="9525">
                     <a:solidFill>
                       <a:srgbClr val="000000"/>
                     </a:solidFill>
@@ -10169,7 +10169,7 @@
               </a:ln>
               <a:extLst>
                 <a:ext uri="{91240B29-F687-4f45-9708-019B960494DF}">
-                  <a14:hiddenLine xmlns="" xmlns:a14="http://schemas.microsoft.com/office/drawing/2010/main" w="9525">
+                  <a14:hiddenLine xmlns:a14="http://schemas.microsoft.com/office/drawing/2010/main" xmlns="" w="9525">
                     <a:solidFill>
                       <a:srgbClr val="000000"/>
                     </a:solidFill>
@@ -10259,7 +10259,7 @@
               </a:ln>
               <a:extLst>
                 <a:ext uri="{91240B29-F687-4f45-9708-019B960494DF}">
-                  <a14:hiddenLine xmlns="" xmlns:a14="http://schemas.microsoft.com/office/drawing/2010/main" w="9525">
+                  <a14:hiddenLine xmlns:a14="http://schemas.microsoft.com/office/drawing/2010/main" xmlns="" w="9525">
                     <a:solidFill>
                       <a:srgbClr val="000000"/>
                     </a:solidFill>
@@ -10293,7 +10293,7 @@
               </a:ln>
               <a:extLst>
                 <a:ext uri="{91240B29-F687-4f45-9708-019B960494DF}">
-                  <a14:hiddenLine xmlns="" xmlns:a14="http://schemas.microsoft.com/office/drawing/2010/main" w="9525">
+                  <a14:hiddenLine xmlns:a14="http://schemas.microsoft.com/office/drawing/2010/main" xmlns="" w="9525">
                     <a:solidFill>
                       <a:srgbClr val="000000"/>
                     </a:solidFill>
@@ -10358,7 +10358,7 @@
               </a:ln>
               <a:extLst>
                 <a:ext uri="{91240B29-F687-4f45-9708-019B960494DF}">
-                  <a14:hiddenLine xmlns="" xmlns:a14="http://schemas.microsoft.com/office/drawing/2010/main" w="9525">
+                  <a14:hiddenLine xmlns:a14="http://schemas.microsoft.com/office/drawing/2010/main" xmlns="" w="9525">
                     <a:solidFill>
                       <a:srgbClr val="000000"/>
                     </a:solidFill>
@@ -10448,7 +10448,7 @@
               </a:ln>
               <a:extLst>
                 <a:ext uri="{91240B29-F687-4f45-9708-019B960494DF}">
-                  <a14:hiddenLine xmlns="" xmlns:a14="http://schemas.microsoft.com/office/drawing/2010/main" w="9525">
+                  <a14:hiddenLine xmlns:a14="http://schemas.microsoft.com/office/drawing/2010/main" xmlns="" w="9525">
                     <a:solidFill>
                       <a:srgbClr val="000000"/>
                     </a:solidFill>
@@ -10510,7 +10510,7 @@
               </a:ln>
               <a:extLst>
                 <a:ext uri="{91240B29-F687-4f45-9708-019B960494DF}">
-                  <a14:hiddenLine xmlns="" xmlns:a14="http://schemas.microsoft.com/office/drawing/2010/main" w="9525">
+                  <a14:hiddenLine xmlns:a14="http://schemas.microsoft.com/office/drawing/2010/main" xmlns="" w="9525">
                     <a:solidFill>
                       <a:srgbClr val="000000"/>
                     </a:solidFill>
@@ -10600,7 +10600,7 @@
               </a:ln>
               <a:extLst>
                 <a:ext uri="{91240B29-F687-4f45-9708-019B960494DF}">
-                  <a14:hiddenLine xmlns="" xmlns:a14="http://schemas.microsoft.com/office/drawing/2010/main" w="9525">
+                  <a14:hiddenLine xmlns:a14="http://schemas.microsoft.com/office/drawing/2010/main" xmlns="" w="9525">
                     <a:solidFill>
                       <a:srgbClr val="000000"/>
                     </a:solidFill>
@@ -10665,7 +10665,7 @@
               </a:ln>
               <a:extLst>
                 <a:ext uri="{91240B29-F687-4f45-9708-019B960494DF}">
-                  <a14:hiddenLine xmlns="" xmlns:a14="http://schemas.microsoft.com/office/drawing/2010/main" w="9525">
+                  <a14:hiddenLine xmlns:a14="http://schemas.microsoft.com/office/drawing/2010/main" xmlns="" w="9525">
                     <a:solidFill>
                       <a:srgbClr val="000000"/>
                     </a:solidFill>
@@ -10727,7 +10727,7 @@
               </a:ln>
               <a:extLst>
                 <a:ext uri="{91240B29-F687-4f45-9708-019B960494DF}">
-                  <a14:hiddenLine xmlns="" xmlns:a14="http://schemas.microsoft.com/office/drawing/2010/main" w="9525">
+                  <a14:hiddenLine xmlns:a14="http://schemas.microsoft.com/office/drawing/2010/main" xmlns="" w="9525">
                     <a:solidFill>
                       <a:srgbClr val="000000"/>
                     </a:solidFill>
@@ -10817,7 +10817,7 @@
               </a:ln>
               <a:extLst>
                 <a:ext uri="{91240B29-F687-4f45-9708-019B960494DF}">
-                  <a14:hiddenLine xmlns="" xmlns:a14="http://schemas.microsoft.com/office/drawing/2010/main" w="9525">
+                  <a14:hiddenLine xmlns:a14="http://schemas.microsoft.com/office/drawing/2010/main" xmlns="" w="9525">
                     <a:solidFill>
                       <a:srgbClr val="000000"/>
                     </a:solidFill>
@@ -10907,7 +10907,7 @@
               </a:ln>
               <a:extLst>
                 <a:ext uri="{91240B29-F687-4f45-9708-019B960494DF}">
-                  <a14:hiddenLine xmlns="" xmlns:a14="http://schemas.microsoft.com/office/drawing/2010/main" w="9525">
+                  <a14:hiddenLine xmlns:a14="http://schemas.microsoft.com/office/drawing/2010/main" xmlns="" w="9525">
                     <a:solidFill>
                       <a:srgbClr val="000000"/>
                     </a:solidFill>
@@ -10972,7 +10972,7 @@
               </a:ln>
               <a:extLst>
                 <a:ext uri="{91240B29-F687-4f45-9708-019B960494DF}">
-                  <a14:hiddenLine xmlns="" xmlns:a14="http://schemas.microsoft.com/office/drawing/2010/main" w="9525">
+                  <a14:hiddenLine xmlns:a14="http://schemas.microsoft.com/office/drawing/2010/main" xmlns="" w="9525">
                     <a:solidFill>
                       <a:srgbClr val="000000"/>
                     </a:solidFill>
@@ -11092,7 +11092,7 @@
               </a:ln>
               <a:extLst>
                 <a:ext uri="{91240B29-F687-4f45-9708-019B960494DF}">
-                  <a14:hiddenLine xmlns="" xmlns:a14="http://schemas.microsoft.com/office/drawing/2010/main" w="9525">
+                  <a14:hiddenLine xmlns:a14="http://schemas.microsoft.com/office/drawing/2010/main" xmlns="" w="9525">
                     <a:solidFill>
                       <a:srgbClr val="000000"/>
                     </a:solidFill>
@@ -11190,7 +11190,7 @@
               </a:ln>
               <a:extLst>
                 <a:ext uri="{91240B29-F687-4f45-9708-019B960494DF}">
-                  <a14:hiddenLine xmlns="" xmlns:a14="http://schemas.microsoft.com/office/drawing/2010/main" w="9525">
+                  <a14:hiddenLine xmlns:a14="http://schemas.microsoft.com/office/drawing/2010/main" xmlns="" w="9525">
                     <a:solidFill>
                       <a:srgbClr val="000000"/>
                     </a:solidFill>
@@ -11305,7 +11305,7 @@
               </a:ln>
               <a:extLst>
                 <a:ext uri="{91240B29-F687-4f45-9708-019B960494DF}">
-                  <a14:hiddenLine xmlns="" xmlns:a14="http://schemas.microsoft.com/office/drawing/2010/main" w="9525">
+                  <a14:hiddenLine xmlns:a14="http://schemas.microsoft.com/office/drawing/2010/main" xmlns="" w="9525">
                     <a:solidFill>
                       <a:srgbClr val="000000"/>
                     </a:solidFill>
@@ -11395,7 +11395,7 @@
               </a:ln>
               <a:extLst>
                 <a:ext uri="{91240B29-F687-4f45-9708-019B960494DF}">
-                  <a14:hiddenLine xmlns="" xmlns:a14="http://schemas.microsoft.com/office/drawing/2010/main" w="9525">
+                  <a14:hiddenLine xmlns:a14="http://schemas.microsoft.com/office/drawing/2010/main" xmlns="" w="9525">
                     <a:solidFill>
                       <a:srgbClr val="000000"/>
                     </a:solidFill>
@@ -11460,7 +11460,7 @@
               </a:ln>
               <a:extLst>
                 <a:ext uri="{91240B29-F687-4f45-9708-019B960494DF}">
-                  <a14:hiddenLine xmlns="" xmlns:a14="http://schemas.microsoft.com/office/drawing/2010/main" w="9525">
+                  <a14:hiddenLine xmlns:a14="http://schemas.microsoft.com/office/drawing/2010/main" xmlns="" w="9525">
                     <a:solidFill>
                       <a:srgbClr val="000000"/>
                     </a:solidFill>
@@ -11550,7 +11550,7 @@
               </a:ln>
               <a:extLst>
                 <a:ext uri="{91240B29-F687-4f45-9708-019B960494DF}">
-                  <a14:hiddenLine xmlns="" xmlns:a14="http://schemas.microsoft.com/office/drawing/2010/main" w="9525">
+                  <a14:hiddenLine xmlns:a14="http://schemas.microsoft.com/office/drawing/2010/main" xmlns="" w="9525">
                     <a:solidFill>
                       <a:srgbClr val="000000"/>
                     </a:solidFill>
@@ -11618,7 +11618,7 @@
               </a:ln>
               <a:extLst>
                 <a:ext uri="{91240B29-F687-4f45-9708-019B960494DF}">
-                  <a14:hiddenLine xmlns="" xmlns:a14="http://schemas.microsoft.com/office/drawing/2010/main" w="9525">
+                  <a14:hiddenLine xmlns:a14="http://schemas.microsoft.com/office/drawing/2010/main" xmlns="" w="9525">
                     <a:solidFill>
                       <a:srgbClr val="000000"/>
                     </a:solidFill>
@@ -11708,7 +11708,7 @@
               </a:ln>
               <a:extLst>
                 <a:ext uri="{91240B29-F687-4f45-9708-019B960494DF}">
-                  <a14:hiddenLine xmlns="" xmlns:a14="http://schemas.microsoft.com/office/drawing/2010/main" w="9525">
+                  <a14:hiddenLine xmlns:a14="http://schemas.microsoft.com/office/drawing/2010/main" xmlns="" w="9525">
                     <a:solidFill>
                       <a:srgbClr val="000000"/>
                     </a:solidFill>
@@ -11776,7 +11776,7 @@
               </a:ln>
               <a:extLst>
                 <a:ext uri="{91240B29-F687-4f45-9708-019B960494DF}">
-                  <a14:hiddenLine xmlns="" xmlns:a14="http://schemas.microsoft.com/office/drawing/2010/main" w="9525">
+                  <a14:hiddenLine xmlns:a14="http://schemas.microsoft.com/office/drawing/2010/main" xmlns="" w="9525">
                     <a:solidFill>
                       <a:srgbClr val="000000"/>
                     </a:solidFill>
@@ -11866,7 +11866,7 @@
               </a:ln>
               <a:extLst>
                 <a:ext uri="{91240B29-F687-4f45-9708-019B960494DF}">
-                  <a14:hiddenLine xmlns="" xmlns:a14="http://schemas.microsoft.com/office/drawing/2010/main" w="9525">
+                  <a14:hiddenLine xmlns:a14="http://schemas.microsoft.com/office/drawing/2010/main" xmlns="" w="9525">
                     <a:solidFill>
                       <a:srgbClr val="000000"/>
                     </a:solidFill>
@@ -11900,7 +11900,7 @@
               </a:ln>
               <a:extLst>
                 <a:ext uri="{91240B29-F687-4f45-9708-019B960494DF}">
-                  <a14:hiddenLine xmlns="" xmlns:a14="http://schemas.microsoft.com/office/drawing/2010/main" w="9525">
+                  <a14:hiddenLine xmlns:a14="http://schemas.microsoft.com/office/drawing/2010/main" xmlns="" w="9525">
                     <a:solidFill>
                       <a:srgbClr val="000000"/>
                     </a:solidFill>

--- a/BIARD_Sunny_3_veille_052024.pptx
+++ b/BIARD_Sunny_3_veille_052024.pptx
@@ -15,7 +15,10 @@
     <p:sldId id="263" r:id="rId9"/>
     <p:sldId id="265" r:id="rId10"/>
     <p:sldId id="266" r:id="rId11"/>
-    <p:sldId id="267" r:id="rId12"/>
+    <p:sldId id="268" r:id="rId12"/>
+    <p:sldId id="269" r:id="rId13"/>
+    <p:sldId id="270" r:id="rId14"/>
+    <p:sldId id="267" r:id="rId15"/>
   </p:sldIdLst>
   <p:sldSz cx="12192000" cy="6858000"/>
   <p:notesSz cx="6858000" cy="9144000"/>
@@ -179,7 +182,7 @@
           <a:noFill/>
           <a:extLst>
             <a:ext uri="{909E8E84-426E-40dd-AFC4-6F175D3DCCD1}">
-              <a14:hiddenFill xmlns:a14="http://schemas.microsoft.com/office/drawing/2010/main" xmlns="">
+              <a14:hiddenFill xmlns="" xmlns:a14="http://schemas.microsoft.com/office/drawing/2010/main">
                 <a:solidFill>
                   <a:srgbClr val="FFFFFF"/>
                 </a:solidFill>
@@ -239,7 +242,7 @@
             </a:ln>
             <a:extLst>
               <a:ext uri="{91240B29-F687-4f45-9708-019B960494DF}">
-                <a14:hiddenLine xmlns:a14="http://schemas.microsoft.com/office/drawing/2010/main" xmlns="" w="9525">
+                <a14:hiddenLine xmlns="" xmlns:a14="http://schemas.microsoft.com/office/drawing/2010/main" w="9525">
                   <a:solidFill>
                     <a:srgbClr val="000000"/>
                   </a:solidFill>
@@ -329,7 +332,7 @@
             </a:ln>
             <a:extLst>
               <a:ext uri="{91240B29-F687-4f45-9708-019B960494DF}">
-                <a14:hiddenLine xmlns:a14="http://schemas.microsoft.com/office/drawing/2010/main" xmlns="" w="9525">
+                <a14:hiddenLine xmlns="" xmlns:a14="http://schemas.microsoft.com/office/drawing/2010/main" w="9525">
                   <a:solidFill>
                     <a:srgbClr val="000000"/>
                   </a:solidFill>
@@ -419,7 +422,7 @@
             </a:ln>
             <a:extLst>
               <a:ext uri="{91240B29-F687-4f45-9708-019B960494DF}">
-                <a14:hiddenLine xmlns:a14="http://schemas.microsoft.com/office/drawing/2010/main" xmlns="" w="9525">
+                <a14:hiddenLine xmlns="" xmlns:a14="http://schemas.microsoft.com/office/drawing/2010/main" w="9525">
                   <a:solidFill>
                     <a:srgbClr val="000000"/>
                   </a:solidFill>
@@ -453,7 +456,7 @@
             </a:ln>
             <a:extLst>
               <a:ext uri="{91240B29-F687-4f45-9708-019B960494DF}">
-                <a14:hiddenLine xmlns:a14="http://schemas.microsoft.com/office/drawing/2010/main" xmlns="" w="9525">
+                <a14:hiddenLine xmlns="" xmlns:a14="http://schemas.microsoft.com/office/drawing/2010/main" w="9525">
                   <a:solidFill>
                     <a:srgbClr val="000000"/>
                   </a:solidFill>
@@ -543,7 +546,7 @@
             </a:ln>
             <a:extLst>
               <a:ext uri="{91240B29-F687-4f45-9708-019B960494DF}">
-                <a14:hiddenLine xmlns:a14="http://schemas.microsoft.com/office/drawing/2010/main" xmlns="" w="9525">
+                <a14:hiddenLine xmlns="" xmlns:a14="http://schemas.microsoft.com/office/drawing/2010/main" w="9525">
                   <a:solidFill>
                     <a:srgbClr val="000000"/>
                   </a:solidFill>
@@ -605,7 +608,7 @@
             </a:ln>
             <a:extLst>
               <a:ext uri="{91240B29-F687-4f45-9708-019B960494DF}">
-                <a14:hiddenLine xmlns:a14="http://schemas.microsoft.com/office/drawing/2010/main" xmlns="" w="9525">
+                <a14:hiddenLine xmlns="" xmlns:a14="http://schemas.microsoft.com/office/drawing/2010/main" w="9525">
                   <a:solidFill>
                     <a:srgbClr val="000000"/>
                   </a:solidFill>
@@ -667,7 +670,7 @@
             </a:ln>
             <a:extLst>
               <a:ext uri="{91240B29-F687-4f45-9708-019B960494DF}">
-                <a14:hiddenLine xmlns:a14="http://schemas.microsoft.com/office/drawing/2010/main" xmlns="" w="9525">
+                <a14:hiddenLine xmlns="" xmlns:a14="http://schemas.microsoft.com/office/drawing/2010/main" w="9525">
                   <a:solidFill>
                     <a:srgbClr val="000000"/>
                   </a:solidFill>
@@ -757,7 +760,7 @@
             </a:ln>
             <a:extLst>
               <a:ext uri="{91240B29-F687-4f45-9708-019B960494DF}">
-                <a14:hiddenLine xmlns:a14="http://schemas.microsoft.com/office/drawing/2010/main" xmlns="" w="9525">
+                <a14:hiddenLine xmlns="" xmlns:a14="http://schemas.microsoft.com/office/drawing/2010/main" w="9525">
                   <a:solidFill>
                     <a:srgbClr val="000000"/>
                   </a:solidFill>
@@ -819,7 +822,7 @@
             </a:ln>
             <a:extLst>
               <a:ext uri="{91240B29-F687-4f45-9708-019B960494DF}">
-                <a14:hiddenLine xmlns:a14="http://schemas.microsoft.com/office/drawing/2010/main" xmlns="" w="9525">
+                <a14:hiddenLine xmlns="" xmlns:a14="http://schemas.microsoft.com/office/drawing/2010/main" w="9525">
                   <a:solidFill>
                     <a:srgbClr val="000000"/>
                   </a:solidFill>
@@ -881,7 +884,7 @@
             </a:ln>
             <a:extLst>
               <a:ext uri="{91240B29-F687-4f45-9708-019B960494DF}">
-                <a14:hiddenLine xmlns:a14="http://schemas.microsoft.com/office/drawing/2010/main" xmlns="" w="9525">
+                <a14:hiddenLine xmlns="" xmlns:a14="http://schemas.microsoft.com/office/drawing/2010/main" w="9525">
                   <a:solidFill>
                     <a:srgbClr val="000000"/>
                   </a:solidFill>
@@ -971,7 +974,7 @@
             </a:ln>
             <a:extLst>
               <a:ext uri="{91240B29-F687-4f45-9708-019B960494DF}">
-                <a14:hiddenLine xmlns:a14="http://schemas.microsoft.com/office/drawing/2010/main" xmlns="" w="9525">
+                <a14:hiddenLine xmlns="" xmlns:a14="http://schemas.microsoft.com/office/drawing/2010/main" w="9525">
                   <a:solidFill>
                     <a:srgbClr val="000000"/>
                   </a:solidFill>
@@ -1061,7 +1064,7 @@
             </a:ln>
             <a:extLst>
               <a:ext uri="{91240B29-F687-4f45-9708-019B960494DF}">
-                <a14:hiddenLine xmlns:a14="http://schemas.microsoft.com/office/drawing/2010/main" xmlns="" w="9525">
+                <a14:hiddenLine xmlns="" xmlns:a14="http://schemas.microsoft.com/office/drawing/2010/main" w="9525">
                   <a:solidFill>
                     <a:srgbClr val="000000"/>
                   </a:solidFill>
@@ -1123,7 +1126,7 @@
             </a:ln>
             <a:extLst>
               <a:ext uri="{91240B29-F687-4f45-9708-019B960494DF}">
-                <a14:hiddenLine xmlns:a14="http://schemas.microsoft.com/office/drawing/2010/main" xmlns="" w="9525">
+                <a14:hiddenLine xmlns="" xmlns:a14="http://schemas.microsoft.com/office/drawing/2010/main" w="9525">
                   <a:solidFill>
                     <a:srgbClr val="000000"/>
                   </a:solidFill>
@@ -1233,7 +1236,7 @@
             </a:ln>
             <a:extLst>
               <a:ext uri="{91240B29-F687-4f45-9708-019B960494DF}">
-                <a14:hiddenLine xmlns:a14="http://schemas.microsoft.com/office/drawing/2010/main" xmlns="" w="9525">
+                <a14:hiddenLine xmlns="" xmlns:a14="http://schemas.microsoft.com/office/drawing/2010/main" w="9525">
                   <a:solidFill>
                     <a:srgbClr val="000000"/>
                   </a:solidFill>
@@ -1295,7 +1298,7 @@
             </a:ln>
             <a:extLst>
               <a:ext uri="{91240B29-F687-4f45-9708-019B960494DF}">
-                <a14:hiddenLine xmlns:a14="http://schemas.microsoft.com/office/drawing/2010/main" xmlns="" w="9525">
+                <a14:hiddenLine xmlns="" xmlns:a14="http://schemas.microsoft.com/office/drawing/2010/main" w="9525">
                   <a:solidFill>
                     <a:srgbClr val="000000"/>
                   </a:solidFill>
@@ -1385,7 +1388,7 @@
             </a:ln>
             <a:extLst>
               <a:ext uri="{91240B29-F687-4f45-9708-019B960494DF}">
-                <a14:hiddenLine xmlns:a14="http://schemas.microsoft.com/office/drawing/2010/main" xmlns="" w="9525">
+                <a14:hiddenLine xmlns="" xmlns:a14="http://schemas.microsoft.com/office/drawing/2010/main" w="9525">
                   <a:solidFill>
                     <a:srgbClr val="000000"/>
                   </a:solidFill>
@@ -1475,7 +1478,7 @@
             </a:ln>
             <a:extLst>
               <a:ext uri="{91240B29-F687-4f45-9708-019B960494DF}">
-                <a14:hiddenLine xmlns:a14="http://schemas.microsoft.com/office/drawing/2010/main" xmlns="" w="9525">
+                <a14:hiddenLine xmlns="" xmlns:a14="http://schemas.microsoft.com/office/drawing/2010/main" w="9525">
                   <a:solidFill>
                     <a:srgbClr val="000000"/>
                   </a:solidFill>
@@ -1537,7 +1540,7 @@
             </a:ln>
             <a:extLst>
               <a:ext uri="{91240B29-F687-4f45-9708-019B960494DF}">
-                <a14:hiddenLine xmlns:a14="http://schemas.microsoft.com/office/drawing/2010/main" xmlns="" w="9525">
+                <a14:hiddenLine xmlns="" xmlns:a14="http://schemas.microsoft.com/office/drawing/2010/main" w="9525">
                   <a:solidFill>
                     <a:srgbClr val="000000"/>
                   </a:solidFill>
@@ -1627,7 +1630,7 @@
             </a:ln>
             <a:extLst>
               <a:ext uri="{91240B29-F687-4f45-9708-019B960494DF}">
-                <a14:hiddenLine xmlns:a14="http://schemas.microsoft.com/office/drawing/2010/main" xmlns="" w="9525">
+                <a14:hiddenLine xmlns="" xmlns:a14="http://schemas.microsoft.com/office/drawing/2010/main" w="9525">
                   <a:solidFill>
                     <a:srgbClr val="000000"/>
                   </a:solidFill>
@@ -1717,7 +1720,7 @@
             </a:ln>
             <a:extLst>
               <a:ext uri="{91240B29-F687-4f45-9708-019B960494DF}">
-                <a14:hiddenLine xmlns:a14="http://schemas.microsoft.com/office/drawing/2010/main" xmlns="" w="9525">
+                <a14:hiddenLine xmlns="" xmlns:a14="http://schemas.microsoft.com/office/drawing/2010/main" w="9525">
                   <a:solidFill>
                     <a:srgbClr val="000000"/>
                   </a:solidFill>
@@ -1773,7 +1776,7 @@
             </a:ln>
             <a:extLst>
               <a:ext uri="{91240B29-F687-4f45-9708-019B960494DF}">
-                <a14:hiddenLine xmlns:a14="http://schemas.microsoft.com/office/drawing/2010/main" xmlns="" w="9525">
+                <a14:hiddenLine xmlns="" xmlns:a14="http://schemas.microsoft.com/office/drawing/2010/main" w="9525">
                   <a:solidFill>
                     <a:srgbClr val="000000"/>
                   </a:solidFill>
@@ -1863,7 +1866,7 @@
             </a:ln>
             <a:extLst>
               <a:ext uri="{91240B29-F687-4f45-9708-019B960494DF}">
-                <a14:hiddenLine xmlns:a14="http://schemas.microsoft.com/office/drawing/2010/main" xmlns="" w="9525">
+                <a14:hiddenLine xmlns="" xmlns:a14="http://schemas.microsoft.com/office/drawing/2010/main" w="9525">
                   <a:solidFill>
                     <a:srgbClr val="000000"/>
                   </a:solidFill>
@@ -1919,7 +1922,7 @@
             </a:ln>
             <a:extLst>
               <a:ext uri="{91240B29-F687-4f45-9708-019B960494DF}">
-                <a14:hiddenLine xmlns:a14="http://schemas.microsoft.com/office/drawing/2010/main" xmlns="" w="9525">
+                <a14:hiddenLine xmlns="" xmlns:a14="http://schemas.microsoft.com/office/drawing/2010/main" w="9525">
                   <a:solidFill>
                     <a:srgbClr val="000000"/>
                   </a:solidFill>
@@ -2009,7 +2012,7 @@
             </a:ln>
             <a:extLst>
               <a:ext uri="{91240B29-F687-4f45-9708-019B960494DF}">
-                <a14:hiddenLine xmlns:a14="http://schemas.microsoft.com/office/drawing/2010/main" xmlns="" w="9525">
+                <a14:hiddenLine xmlns="" xmlns:a14="http://schemas.microsoft.com/office/drawing/2010/main" w="9525">
                   <a:solidFill>
                     <a:srgbClr val="000000"/>
                   </a:solidFill>
@@ -2077,7 +2080,7 @@
             </a:ln>
             <a:extLst>
               <a:ext uri="{91240B29-F687-4f45-9708-019B960494DF}">
-                <a14:hiddenLine xmlns:a14="http://schemas.microsoft.com/office/drawing/2010/main" xmlns="" w="9525">
+                <a14:hiddenLine xmlns="" xmlns:a14="http://schemas.microsoft.com/office/drawing/2010/main" w="9525">
                   <a:solidFill>
                     <a:srgbClr val="000000"/>
                   </a:solidFill>
@@ -2167,7 +2170,7 @@
             </a:ln>
             <a:extLst>
               <a:ext uri="{91240B29-F687-4f45-9708-019B960494DF}">
-                <a14:hiddenLine xmlns:a14="http://schemas.microsoft.com/office/drawing/2010/main" xmlns="" w="9525">
+                <a14:hiddenLine xmlns="" xmlns:a14="http://schemas.microsoft.com/office/drawing/2010/main" w="9525">
                   <a:solidFill>
                     <a:srgbClr val="000000"/>
                   </a:solidFill>
@@ -2235,7 +2238,7 @@
             </a:ln>
             <a:extLst>
               <a:ext uri="{91240B29-F687-4f45-9708-019B960494DF}">
-                <a14:hiddenLine xmlns:a14="http://schemas.microsoft.com/office/drawing/2010/main" xmlns="" w="9525">
+                <a14:hiddenLine xmlns="" xmlns:a14="http://schemas.microsoft.com/office/drawing/2010/main" w="9525">
                   <a:solidFill>
                     <a:srgbClr val="000000"/>
                   </a:solidFill>
@@ -2325,7 +2328,7 @@
             </a:ln>
             <a:extLst>
               <a:ext uri="{91240B29-F687-4f45-9708-019B960494DF}">
-                <a14:hiddenLine xmlns:a14="http://schemas.microsoft.com/office/drawing/2010/main" xmlns="" w="9525">
+                <a14:hiddenLine xmlns="" xmlns:a14="http://schemas.microsoft.com/office/drawing/2010/main" w="9525">
                   <a:solidFill>
                     <a:srgbClr val="000000"/>
                   </a:solidFill>
@@ -2359,7 +2362,7 @@
             </a:ln>
             <a:extLst>
               <a:ext uri="{91240B29-F687-4f45-9708-019B960494DF}">
-                <a14:hiddenLine xmlns:a14="http://schemas.microsoft.com/office/drawing/2010/main" xmlns="" w="9525">
+                <a14:hiddenLine xmlns="" xmlns:a14="http://schemas.microsoft.com/office/drawing/2010/main" w="9525">
                   <a:solidFill>
                     <a:srgbClr val="000000"/>
                   </a:solidFill>
@@ -2449,7 +2452,7 @@
             </a:ln>
             <a:extLst>
               <a:ext uri="{91240B29-F687-4f45-9708-019B960494DF}">
-                <a14:hiddenLine xmlns:a14="http://schemas.microsoft.com/office/drawing/2010/main" xmlns="" w="9525">
+                <a14:hiddenLine xmlns="" xmlns:a14="http://schemas.microsoft.com/office/drawing/2010/main" w="9525">
                   <a:solidFill>
                     <a:srgbClr val="000000"/>
                   </a:solidFill>
@@ -2511,7 +2514,7 @@
             </a:ln>
             <a:extLst>
               <a:ext uri="{91240B29-F687-4f45-9708-019B960494DF}">
-                <a14:hiddenLine xmlns:a14="http://schemas.microsoft.com/office/drawing/2010/main" xmlns="" w="9525">
+                <a14:hiddenLine xmlns="" xmlns:a14="http://schemas.microsoft.com/office/drawing/2010/main" w="9525">
                   <a:solidFill>
                     <a:srgbClr val="000000"/>
                   </a:solidFill>
@@ -2573,7 +2576,7 @@
             </a:ln>
             <a:extLst>
               <a:ext uri="{91240B29-F687-4f45-9708-019B960494DF}">
-                <a14:hiddenLine xmlns:a14="http://schemas.microsoft.com/office/drawing/2010/main" xmlns="" w="9525">
+                <a14:hiddenLine xmlns="" xmlns:a14="http://schemas.microsoft.com/office/drawing/2010/main" w="9525">
                   <a:solidFill>
                     <a:srgbClr val="000000"/>
                   </a:solidFill>
@@ -2663,7 +2666,7 @@
             </a:ln>
             <a:extLst>
               <a:ext uri="{91240B29-F687-4f45-9708-019B960494DF}">
-                <a14:hiddenLine xmlns:a14="http://schemas.microsoft.com/office/drawing/2010/main" xmlns="" w="9525">
+                <a14:hiddenLine xmlns="" xmlns:a14="http://schemas.microsoft.com/office/drawing/2010/main" w="9525">
                   <a:solidFill>
                     <a:srgbClr val="000000"/>
                   </a:solidFill>
@@ -2731,7 +2734,7 @@
             </a:ln>
             <a:extLst>
               <a:ext uri="{91240B29-F687-4f45-9708-019B960494DF}">
-                <a14:hiddenLine xmlns:a14="http://schemas.microsoft.com/office/drawing/2010/main" xmlns="" w="9525">
+                <a14:hiddenLine xmlns="" xmlns:a14="http://schemas.microsoft.com/office/drawing/2010/main" w="9525">
                   <a:solidFill>
                     <a:srgbClr val="000000"/>
                   </a:solidFill>
@@ -2793,7 +2796,7 @@
             </a:ln>
             <a:extLst>
               <a:ext uri="{91240B29-F687-4f45-9708-019B960494DF}">
-                <a14:hiddenLine xmlns:a14="http://schemas.microsoft.com/office/drawing/2010/main" xmlns="" w="9525">
+                <a14:hiddenLine xmlns="" xmlns:a14="http://schemas.microsoft.com/office/drawing/2010/main" w="9525">
                   <a:solidFill>
                     <a:srgbClr val="000000"/>
                   </a:solidFill>
@@ -2883,7 +2886,7 @@
             </a:ln>
             <a:extLst>
               <a:ext uri="{91240B29-F687-4f45-9708-019B960494DF}">
-                <a14:hiddenLine xmlns:a14="http://schemas.microsoft.com/office/drawing/2010/main" xmlns="" w="9525">
+                <a14:hiddenLine xmlns="" xmlns:a14="http://schemas.microsoft.com/office/drawing/2010/main" w="9525">
                   <a:solidFill>
                     <a:srgbClr val="000000"/>
                   </a:solidFill>
@@ -2945,7 +2948,7 @@
             </a:ln>
             <a:extLst>
               <a:ext uri="{91240B29-F687-4f45-9708-019B960494DF}">
-                <a14:hiddenLine xmlns:a14="http://schemas.microsoft.com/office/drawing/2010/main" xmlns="" w="9525">
+                <a14:hiddenLine xmlns="" xmlns:a14="http://schemas.microsoft.com/office/drawing/2010/main" w="9525">
                   <a:solidFill>
                     <a:srgbClr val="000000"/>
                   </a:solidFill>
@@ -3035,7 +3038,7 @@
             </a:ln>
             <a:extLst>
               <a:ext uri="{91240B29-F687-4f45-9708-019B960494DF}">
-                <a14:hiddenLine xmlns:a14="http://schemas.microsoft.com/office/drawing/2010/main" xmlns="" w="9525">
+                <a14:hiddenLine xmlns="" xmlns:a14="http://schemas.microsoft.com/office/drawing/2010/main" w="9525">
                   <a:solidFill>
                     <a:srgbClr val="000000"/>
                   </a:solidFill>
@@ -3097,7 +3100,7 @@
             </a:ln>
             <a:extLst>
               <a:ext uri="{91240B29-F687-4f45-9708-019B960494DF}">
-                <a14:hiddenLine xmlns:a14="http://schemas.microsoft.com/office/drawing/2010/main" xmlns="" w="9525">
+                <a14:hiddenLine xmlns="" xmlns:a14="http://schemas.microsoft.com/office/drawing/2010/main" w="9525">
                   <a:solidFill>
                     <a:srgbClr val="000000"/>
                   </a:solidFill>
@@ -3187,7 +3190,7 @@
             </a:ln>
             <a:extLst>
               <a:ext uri="{91240B29-F687-4f45-9708-019B960494DF}">
-                <a14:hiddenLine xmlns:a14="http://schemas.microsoft.com/office/drawing/2010/main" xmlns="" w="9525">
+                <a14:hiddenLine xmlns="" xmlns:a14="http://schemas.microsoft.com/office/drawing/2010/main" w="9525">
                   <a:solidFill>
                     <a:srgbClr val="000000"/>
                   </a:solidFill>
@@ -3221,7 +3224,7 @@
             </a:ln>
             <a:extLst>
               <a:ext uri="{91240B29-F687-4f45-9708-019B960494DF}">
-                <a14:hiddenLine xmlns:a14="http://schemas.microsoft.com/office/drawing/2010/main" xmlns="" w="9525">
+                <a14:hiddenLine xmlns="" xmlns:a14="http://schemas.microsoft.com/office/drawing/2010/main" w="9525">
                   <a:solidFill>
                     <a:srgbClr val="000000"/>
                   </a:solidFill>
@@ -3286,7 +3289,7 @@
             </a:ln>
             <a:extLst>
               <a:ext uri="{91240B29-F687-4f45-9708-019B960494DF}">
-                <a14:hiddenLine xmlns:a14="http://schemas.microsoft.com/office/drawing/2010/main" xmlns="" w="9525">
+                <a14:hiddenLine xmlns="" xmlns:a14="http://schemas.microsoft.com/office/drawing/2010/main" w="9525">
                   <a:solidFill>
                     <a:srgbClr val="000000"/>
                   </a:solidFill>
@@ -3376,7 +3379,7 @@
             </a:ln>
             <a:extLst>
               <a:ext uri="{91240B29-F687-4f45-9708-019B960494DF}">
-                <a14:hiddenLine xmlns:a14="http://schemas.microsoft.com/office/drawing/2010/main" xmlns="" w="9525">
+                <a14:hiddenLine xmlns="" xmlns:a14="http://schemas.microsoft.com/office/drawing/2010/main" w="9525">
                   <a:solidFill>
                     <a:srgbClr val="000000"/>
                   </a:solidFill>
@@ -3438,7 +3441,7 @@
             </a:ln>
             <a:extLst>
               <a:ext uri="{91240B29-F687-4f45-9708-019B960494DF}">
-                <a14:hiddenLine xmlns:a14="http://schemas.microsoft.com/office/drawing/2010/main" xmlns="" w="9525">
+                <a14:hiddenLine xmlns="" xmlns:a14="http://schemas.microsoft.com/office/drawing/2010/main" w="9525">
                   <a:solidFill>
                     <a:srgbClr val="000000"/>
                   </a:solidFill>
@@ -3528,7 +3531,7 @@
             </a:ln>
             <a:extLst>
               <a:ext uri="{91240B29-F687-4f45-9708-019B960494DF}">
-                <a14:hiddenLine xmlns:a14="http://schemas.microsoft.com/office/drawing/2010/main" xmlns="" w="9525">
+                <a14:hiddenLine xmlns="" xmlns:a14="http://schemas.microsoft.com/office/drawing/2010/main" w="9525">
                   <a:solidFill>
                     <a:srgbClr val="000000"/>
                   </a:solidFill>
@@ -3618,7 +3621,7 @@
             </a:ln>
             <a:extLst>
               <a:ext uri="{91240B29-F687-4f45-9708-019B960494DF}">
-                <a14:hiddenLine xmlns:a14="http://schemas.microsoft.com/office/drawing/2010/main" xmlns="" w="9525">
+                <a14:hiddenLine xmlns="" xmlns:a14="http://schemas.microsoft.com/office/drawing/2010/main" w="9525">
                   <a:solidFill>
                     <a:srgbClr val="000000"/>
                   </a:solidFill>
@@ -3683,7 +3686,7 @@
             </a:ln>
             <a:extLst>
               <a:ext uri="{91240B29-F687-4f45-9708-019B960494DF}">
-                <a14:hiddenLine xmlns:a14="http://schemas.microsoft.com/office/drawing/2010/main" xmlns="" w="9525">
+                <a14:hiddenLine xmlns="" xmlns:a14="http://schemas.microsoft.com/office/drawing/2010/main" w="9525">
                   <a:solidFill>
                     <a:srgbClr val="000000"/>
                   </a:solidFill>
@@ -3745,7 +3748,7 @@
             </a:ln>
             <a:extLst>
               <a:ext uri="{91240B29-F687-4f45-9708-019B960494DF}">
-                <a14:hiddenLine xmlns:a14="http://schemas.microsoft.com/office/drawing/2010/main" xmlns="" w="9525">
+                <a14:hiddenLine xmlns="" xmlns:a14="http://schemas.microsoft.com/office/drawing/2010/main" w="9525">
                   <a:solidFill>
                     <a:srgbClr val="000000"/>
                   </a:solidFill>
@@ -3835,7 +3838,7 @@
             </a:ln>
             <a:extLst>
               <a:ext uri="{91240B29-F687-4f45-9708-019B960494DF}">
-                <a14:hiddenLine xmlns:a14="http://schemas.microsoft.com/office/drawing/2010/main" xmlns="" w="9525">
+                <a14:hiddenLine xmlns="" xmlns:a14="http://schemas.microsoft.com/office/drawing/2010/main" w="9525">
                   <a:solidFill>
                     <a:srgbClr val="000000"/>
                   </a:solidFill>
@@ -3925,7 +3928,7 @@
             </a:ln>
             <a:extLst>
               <a:ext uri="{91240B29-F687-4f45-9708-019B960494DF}">
-                <a14:hiddenLine xmlns:a14="http://schemas.microsoft.com/office/drawing/2010/main" xmlns="" w="9525">
+                <a14:hiddenLine xmlns="" xmlns:a14="http://schemas.microsoft.com/office/drawing/2010/main" w="9525">
                   <a:solidFill>
                     <a:srgbClr val="000000"/>
                   </a:solidFill>
@@ -3987,7 +3990,7 @@
             </a:ln>
             <a:extLst>
               <a:ext uri="{91240B29-F687-4f45-9708-019B960494DF}">
-                <a14:hiddenLine xmlns:a14="http://schemas.microsoft.com/office/drawing/2010/main" xmlns="" w="9525">
+                <a14:hiddenLine xmlns="" xmlns:a14="http://schemas.microsoft.com/office/drawing/2010/main" w="9525">
                   <a:solidFill>
                     <a:srgbClr val="000000"/>
                   </a:solidFill>
@@ -4107,7 +4110,7 @@
             </a:ln>
             <a:extLst>
               <a:ext uri="{91240B29-F687-4f45-9708-019B960494DF}">
-                <a14:hiddenLine xmlns:a14="http://schemas.microsoft.com/office/drawing/2010/main" xmlns="" w="9525">
+                <a14:hiddenLine xmlns="" xmlns:a14="http://schemas.microsoft.com/office/drawing/2010/main" w="9525">
                   <a:solidFill>
                     <a:srgbClr val="000000"/>
                   </a:solidFill>
@@ -4175,7 +4178,7 @@
             </a:ln>
             <a:extLst>
               <a:ext uri="{91240B29-F687-4f45-9708-019B960494DF}">
-                <a14:hiddenLine xmlns:a14="http://schemas.microsoft.com/office/drawing/2010/main" xmlns="" w="9525">
+                <a14:hiddenLine xmlns="" xmlns:a14="http://schemas.microsoft.com/office/drawing/2010/main" w="9525">
                   <a:solidFill>
                     <a:srgbClr val="000000"/>
                   </a:solidFill>
@@ -4265,7 +4268,7 @@
             </a:ln>
             <a:extLst>
               <a:ext uri="{91240B29-F687-4f45-9708-019B960494DF}">
-                <a14:hiddenLine xmlns:a14="http://schemas.microsoft.com/office/drawing/2010/main" xmlns="" w="9525">
+                <a14:hiddenLine xmlns="" xmlns:a14="http://schemas.microsoft.com/office/drawing/2010/main" w="9525">
                   <a:solidFill>
                     <a:srgbClr val="000000"/>
                   </a:solidFill>
@@ -4405,7 +4408,7 @@
           <a:p>
             <a:fld id="{BAFBD940-02ED-46BD-8F78-E6742406428C}" type="datetimeFigureOut">
               <a:rPr lang="fr-FR" smtClean="0"/>
-              <a:t>22/05/2024</a:t>
+              <a:t>27/05/2024</a:t>
             </a:fld>
             <a:endParaRPr lang="fr-FR"/>
           </a:p>
@@ -4672,7 +4675,7 @@
           <a:p>
             <a:fld id="{BAFBD940-02ED-46BD-8F78-E6742406428C}" type="datetimeFigureOut">
               <a:rPr lang="fr-FR" smtClean="0"/>
-              <a:t>22/05/2024</a:t>
+              <a:t>27/05/2024</a:t>
             </a:fld>
             <a:endParaRPr lang="fr-FR"/>
           </a:p>
@@ -4868,7 +4871,7 @@
           <a:p>
             <a:fld id="{BAFBD940-02ED-46BD-8F78-E6742406428C}" type="datetimeFigureOut">
               <a:rPr lang="fr-FR" smtClean="0"/>
-              <a:t>22/05/2024</a:t>
+              <a:t>27/05/2024</a:t>
             </a:fld>
             <a:endParaRPr lang="fr-FR"/>
           </a:p>
@@ -5131,7 +5134,7 @@
           <a:p>
             <a:fld id="{BAFBD940-02ED-46BD-8F78-E6742406428C}" type="datetimeFigureOut">
               <a:rPr lang="fr-FR" smtClean="0"/>
-              <a:t>22/05/2024</a:t>
+              <a:t>27/05/2024</a:t>
             </a:fld>
             <a:endParaRPr lang="fr-FR"/>
           </a:p>
@@ -5565,7 +5568,7 @@
           <a:p>
             <a:fld id="{BAFBD940-02ED-46BD-8F78-E6742406428C}" type="datetimeFigureOut">
               <a:rPr lang="fr-FR" smtClean="0"/>
-              <a:t>22/05/2024</a:t>
+              <a:t>27/05/2024</a:t>
             </a:fld>
             <a:endParaRPr lang="fr-FR"/>
           </a:p>
@@ -6111,7 +6114,7 @@
           <a:p>
             <a:fld id="{BAFBD940-02ED-46BD-8F78-E6742406428C}" type="datetimeFigureOut">
               <a:rPr lang="fr-FR" smtClean="0"/>
-              <a:t>22/05/2024</a:t>
+              <a:t>27/05/2024</a:t>
             </a:fld>
             <a:endParaRPr lang="fr-FR"/>
           </a:p>
@@ -6831,7 +6834,7 @@
           <a:p>
             <a:fld id="{BAFBD940-02ED-46BD-8F78-E6742406428C}" type="datetimeFigureOut">
               <a:rPr lang="fr-FR" smtClean="0"/>
-              <a:t>22/05/2024</a:t>
+              <a:t>27/05/2024</a:t>
             </a:fld>
             <a:endParaRPr lang="fr-FR"/>
           </a:p>
@@ -7001,7 +7004,7 @@
           <a:p>
             <a:fld id="{BAFBD940-02ED-46BD-8F78-E6742406428C}" type="datetimeFigureOut">
               <a:rPr lang="fr-FR" smtClean="0"/>
-              <a:t>22/05/2024</a:t>
+              <a:t>27/05/2024</a:t>
             </a:fld>
             <a:endParaRPr lang="fr-FR"/>
           </a:p>
@@ -7181,7 +7184,7 @@
           <a:p>
             <a:fld id="{BAFBD940-02ED-46BD-8F78-E6742406428C}" type="datetimeFigureOut">
               <a:rPr lang="fr-FR" smtClean="0"/>
-              <a:t>22/05/2024</a:t>
+              <a:t>27/05/2024</a:t>
             </a:fld>
             <a:endParaRPr lang="fr-FR"/>
           </a:p>
@@ -7351,7 +7354,7 @@
           <a:p>
             <a:fld id="{BAFBD940-02ED-46BD-8F78-E6742406428C}" type="datetimeFigureOut">
               <a:rPr lang="fr-FR" smtClean="0"/>
-              <a:t>22/05/2024</a:t>
+              <a:t>27/05/2024</a:t>
             </a:fld>
             <a:endParaRPr lang="fr-FR"/>
           </a:p>
@@ -7601,7 +7604,7 @@
           <a:p>
             <a:fld id="{BAFBD940-02ED-46BD-8F78-E6742406428C}" type="datetimeFigureOut">
               <a:rPr lang="fr-FR" smtClean="0"/>
-              <a:t>22/05/2024</a:t>
+              <a:t>27/05/2024</a:t>
             </a:fld>
             <a:endParaRPr lang="fr-FR"/>
           </a:p>
@@ -7833,7 +7836,7 @@
           <a:p>
             <a:fld id="{BAFBD940-02ED-46BD-8F78-E6742406428C}" type="datetimeFigureOut">
               <a:rPr lang="fr-FR" smtClean="0"/>
-              <a:t>22/05/2024</a:t>
+              <a:t>27/05/2024</a:t>
             </a:fld>
             <a:endParaRPr lang="fr-FR"/>
           </a:p>
@@ -8214,7 +8217,7 @@
           <a:p>
             <a:fld id="{BAFBD940-02ED-46BD-8F78-E6742406428C}" type="datetimeFigureOut">
               <a:rPr lang="fr-FR" smtClean="0"/>
-              <a:t>22/05/2024</a:t>
+              <a:t>27/05/2024</a:t>
             </a:fld>
             <a:endParaRPr lang="fr-FR"/>
           </a:p>
@@ -8332,7 +8335,7 @@
           <a:p>
             <a:fld id="{BAFBD940-02ED-46BD-8F78-E6742406428C}" type="datetimeFigureOut">
               <a:rPr lang="fr-FR" smtClean="0"/>
-              <a:t>22/05/2024</a:t>
+              <a:t>27/05/2024</a:t>
             </a:fld>
             <a:endParaRPr lang="fr-FR"/>
           </a:p>
@@ -8427,7 +8430,7 @@
           <a:p>
             <a:fld id="{BAFBD940-02ED-46BD-8F78-E6742406428C}" type="datetimeFigureOut">
               <a:rPr lang="fr-FR" smtClean="0"/>
-              <a:t>22/05/2024</a:t>
+              <a:t>27/05/2024</a:t>
             </a:fld>
             <a:endParaRPr lang="fr-FR"/>
           </a:p>
@@ -8676,7 +8679,7 @@
           <a:p>
             <a:fld id="{BAFBD940-02ED-46BD-8F78-E6742406428C}" type="datetimeFigureOut">
               <a:rPr lang="fr-FR" smtClean="0"/>
-              <a:t>22/05/2024</a:t>
+              <a:t>27/05/2024</a:t>
             </a:fld>
             <a:endParaRPr lang="fr-FR"/>
           </a:p>
@@ -8956,7 +8959,7 @@
           <a:p>
             <a:fld id="{BAFBD940-02ED-46BD-8F78-E6742406428C}" type="datetimeFigureOut">
               <a:rPr lang="fr-FR" smtClean="0"/>
-              <a:t>22/05/2024</a:t>
+              <a:t>27/05/2024</a:t>
             </a:fld>
             <a:endParaRPr lang="fr-FR"/>
           </a:p>
@@ -9079,7 +9082,7 @@
           <a:noFill/>
           <a:extLst>
             <a:ext uri="{909E8E84-426E-40dd-AFC4-6F175D3DCCD1}">
-              <a14:hiddenFill xmlns:a14="http://schemas.microsoft.com/office/drawing/2010/main" xmlns="">
+              <a14:hiddenFill xmlns="" xmlns:a14="http://schemas.microsoft.com/office/drawing/2010/main">
                 <a:solidFill>
                   <a:srgbClr val="FFFFFF"/>
                 </a:solidFill>
@@ -9153,7 +9156,7 @@
               </a:ln>
               <a:extLst>
                 <a:ext uri="{91240B29-F687-4f45-9708-019B960494DF}">
-                  <a14:hiddenLine xmlns:a14="http://schemas.microsoft.com/office/drawing/2010/main" xmlns="" w="9525">
+                  <a14:hiddenLine xmlns="" xmlns:a14="http://schemas.microsoft.com/office/drawing/2010/main" w="9525">
                     <a:solidFill>
                       <a:srgbClr val="000000"/>
                     </a:solidFill>
@@ -9243,7 +9246,7 @@
               </a:ln>
               <a:extLst>
                 <a:ext uri="{91240B29-F687-4f45-9708-019B960494DF}">
-                  <a14:hiddenLine xmlns:a14="http://schemas.microsoft.com/office/drawing/2010/main" xmlns="" w="9525">
+                  <a14:hiddenLine xmlns="" xmlns:a14="http://schemas.microsoft.com/office/drawing/2010/main" w="9525">
                     <a:solidFill>
                       <a:srgbClr val="000000"/>
                     </a:solidFill>
@@ -9333,7 +9336,7 @@
               </a:ln>
               <a:extLst>
                 <a:ext uri="{91240B29-F687-4f45-9708-019B960494DF}">
-                  <a14:hiddenLine xmlns:a14="http://schemas.microsoft.com/office/drawing/2010/main" xmlns="" w="9525">
+                  <a14:hiddenLine xmlns="" xmlns:a14="http://schemas.microsoft.com/office/drawing/2010/main" w="9525">
                     <a:solidFill>
                       <a:srgbClr val="000000"/>
                     </a:solidFill>
@@ -9395,7 +9398,7 @@
               </a:ln>
               <a:extLst>
                 <a:ext uri="{91240B29-F687-4f45-9708-019B960494DF}">
-                  <a14:hiddenLine xmlns:a14="http://schemas.microsoft.com/office/drawing/2010/main" xmlns="" w="9525">
+                  <a14:hiddenLine xmlns="" xmlns:a14="http://schemas.microsoft.com/office/drawing/2010/main" w="9525">
                     <a:solidFill>
                       <a:srgbClr val="000000"/>
                     </a:solidFill>
@@ -9485,7 +9488,7 @@
               </a:ln>
               <a:extLst>
                 <a:ext uri="{91240B29-F687-4f45-9708-019B960494DF}">
-                  <a14:hiddenLine xmlns:a14="http://schemas.microsoft.com/office/drawing/2010/main" xmlns="" w="9525">
+                  <a14:hiddenLine xmlns="" xmlns:a14="http://schemas.microsoft.com/office/drawing/2010/main" w="9525">
                     <a:solidFill>
                       <a:srgbClr val="000000"/>
                     </a:solidFill>
@@ -9547,7 +9550,7 @@
               </a:ln>
               <a:extLst>
                 <a:ext uri="{91240B29-F687-4f45-9708-019B960494DF}">
-                  <a14:hiddenLine xmlns:a14="http://schemas.microsoft.com/office/drawing/2010/main" xmlns="" w="9525">
+                  <a14:hiddenLine xmlns="" xmlns:a14="http://schemas.microsoft.com/office/drawing/2010/main" w="9525">
                     <a:solidFill>
                       <a:srgbClr val="000000"/>
                     </a:solidFill>
@@ -9609,7 +9612,7 @@
               </a:ln>
               <a:extLst>
                 <a:ext uri="{91240B29-F687-4f45-9708-019B960494DF}">
-                  <a14:hiddenLine xmlns:a14="http://schemas.microsoft.com/office/drawing/2010/main" xmlns="" w="9525">
+                  <a14:hiddenLine xmlns="" xmlns:a14="http://schemas.microsoft.com/office/drawing/2010/main" w="9525">
                     <a:solidFill>
                       <a:srgbClr val="000000"/>
                     </a:solidFill>
@@ -9699,7 +9702,7 @@
               </a:ln>
               <a:extLst>
                 <a:ext uri="{91240B29-F687-4f45-9708-019B960494DF}">
-                  <a14:hiddenLine xmlns:a14="http://schemas.microsoft.com/office/drawing/2010/main" xmlns="" w="9525">
+                  <a14:hiddenLine xmlns="" xmlns:a14="http://schemas.microsoft.com/office/drawing/2010/main" w="9525">
                     <a:solidFill>
                       <a:srgbClr val="000000"/>
                     </a:solidFill>
@@ -9789,7 +9792,7 @@
               </a:ln>
               <a:extLst>
                 <a:ext uri="{91240B29-F687-4f45-9708-019B960494DF}">
-                  <a14:hiddenLine xmlns:a14="http://schemas.microsoft.com/office/drawing/2010/main" xmlns="" w="9525">
+                  <a14:hiddenLine xmlns="" xmlns:a14="http://schemas.microsoft.com/office/drawing/2010/main" w="9525">
                     <a:solidFill>
                       <a:srgbClr val="000000"/>
                     </a:solidFill>
@@ -9851,7 +9854,7 @@
               </a:ln>
               <a:extLst>
                 <a:ext uri="{91240B29-F687-4f45-9708-019B960494DF}">
-                  <a14:hiddenLine xmlns:a14="http://schemas.microsoft.com/office/drawing/2010/main" xmlns="" w="9525">
+                  <a14:hiddenLine xmlns="" xmlns:a14="http://schemas.microsoft.com/office/drawing/2010/main" w="9525">
                     <a:solidFill>
                       <a:srgbClr val="000000"/>
                     </a:solidFill>
@@ -9961,7 +9964,7 @@
               </a:ln>
               <a:extLst>
                 <a:ext uri="{91240B29-F687-4f45-9708-019B960494DF}">
-                  <a14:hiddenLine xmlns:a14="http://schemas.microsoft.com/office/drawing/2010/main" xmlns="" w="9525">
+                  <a14:hiddenLine xmlns="" xmlns:a14="http://schemas.microsoft.com/office/drawing/2010/main" w="9525">
                     <a:solidFill>
                       <a:srgbClr val="000000"/>
                     </a:solidFill>
@@ -10045,7 +10048,7 @@
               </a:ln>
               <a:extLst>
                 <a:ext uri="{91240B29-F687-4f45-9708-019B960494DF}">
-                  <a14:hiddenLine xmlns:a14="http://schemas.microsoft.com/office/drawing/2010/main" xmlns="" w="9525">
+                  <a14:hiddenLine xmlns="" xmlns:a14="http://schemas.microsoft.com/office/drawing/2010/main" w="9525">
                     <a:solidFill>
                       <a:srgbClr val="000000"/>
                     </a:solidFill>
@@ -10107,7 +10110,7 @@
               </a:ln>
               <a:extLst>
                 <a:ext uri="{91240B29-F687-4f45-9708-019B960494DF}">
-                  <a14:hiddenLine xmlns:a14="http://schemas.microsoft.com/office/drawing/2010/main" xmlns="" w="9525">
+                  <a14:hiddenLine xmlns="" xmlns:a14="http://schemas.microsoft.com/office/drawing/2010/main" w="9525">
                     <a:solidFill>
                       <a:srgbClr val="000000"/>
                     </a:solidFill>
@@ -10169,7 +10172,7 @@
               </a:ln>
               <a:extLst>
                 <a:ext uri="{91240B29-F687-4f45-9708-019B960494DF}">
-                  <a14:hiddenLine xmlns:a14="http://schemas.microsoft.com/office/drawing/2010/main" xmlns="" w="9525">
+                  <a14:hiddenLine xmlns="" xmlns:a14="http://schemas.microsoft.com/office/drawing/2010/main" w="9525">
                     <a:solidFill>
                       <a:srgbClr val="000000"/>
                     </a:solidFill>
@@ -10259,7 +10262,7 @@
               </a:ln>
               <a:extLst>
                 <a:ext uri="{91240B29-F687-4f45-9708-019B960494DF}">
-                  <a14:hiddenLine xmlns:a14="http://schemas.microsoft.com/office/drawing/2010/main" xmlns="" w="9525">
+                  <a14:hiddenLine xmlns="" xmlns:a14="http://schemas.microsoft.com/office/drawing/2010/main" w="9525">
                     <a:solidFill>
                       <a:srgbClr val="000000"/>
                     </a:solidFill>
@@ -10293,7 +10296,7 @@
               </a:ln>
               <a:extLst>
                 <a:ext uri="{91240B29-F687-4f45-9708-019B960494DF}">
-                  <a14:hiddenLine xmlns:a14="http://schemas.microsoft.com/office/drawing/2010/main" xmlns="" w="9525">
+                  <a14:hiddenLine xmlns="" xmlns:a14="http://schemas.microsoft.com/office/drawing/2010/main" w="9525">
                     <a:solidFill>
                       <a:srgbClr val="000000"/>
                     </a:solidFill>
@@ -10358,7 +10361,7 @@
               </a:ln>
               <a:extLst>
                 <a:ext uri="{91240B29-F687-4f45-9708-019B960494DF}">
-                  <a14:hiddenLine xmlns:a14="http://schemas.microsoft.com/office/drawing/2010/main" xmlns="" w="9525">
+                  <a14:hiddenLine xmlns="" xmlns:a14="http://schemas.microsoft.com/office/drawing/2010/main" w="9525">
                     <a:solidFill>
                       <a:srgbClr val="000000"/>
                     </a:solidFill>
@@ -10448,7 +10451,7 @@
               </a:ln>
               <a:extLst>
                 <a:ext uri="{91240B29-F687-4f45-9708-019B960494DF}">
-                  <a14:hiddenLine xmlns:a14="http://schemas.microsoft.com/office/drawing/2010/main" xmlns="" w="9525">
+                  <a14:hiddenLine xmlns="" xmlns:a14="http://schemas.microsoft.com/office/drawing/2010/main" w="9525">
                     <a:solidFill>
                       <a:srgbClr val="000000"/>
                     </a:solidFill>
@@ -10510,7 +10513,7 @@
               </a:ln>
               <a:extLst>
                 <a:ext uri="{91240B29-F687-4f45-9708-019B960494DF}">
-                  <a14:hiddenLine xmlns:a14="http://schemas.microsoft.com/office/drawing/2010/main" xmlns="" w="9525">
+                  <a14:hiddenLine xmlns="" xmlns:a14="http://schemas.microsoft.com/office/drawing/2010/main" w="9525">
                     <a:solidFill>
                       <a:srgbClr val="000000"/>
                     </a:solidFill>
@@ -10600,7 +10603,7 @@
               </a:ln>
               <a:extLst>
                 <a:ext uri="{91240B29-F687-4f45-9708-019B960494DF}">
-                  <a14:hiddenLine xmlns:a14="http://schemas.microsoft.com/office/drawing/2010/main" xmlns="" w="9525">
+                  <a14:hiddenLine xmlns="" xmlns:a14="http://schemas.microsoft.com/office/drawing/2010/main" w="9525">
                     <a:solidFill>
                       <a:srgbClr val="000000"/>
                     </a:solidFill>
@@ -10665,7 +10668,7 @@
               </a:ln>
               <a:extLst>
                 <a:ext uri="{91240B29-F687-4f45-9708-019B960494DF}">
-                  <a14:hiddenLine xmlns:a14="http://schemas.microsoft.com/office/drawing/2010/main" xmlns="" w="9525">
+                  <a14:hiddenLine xmlns="" xmlns:a14="http://schemas.microsoft.com/office/drawing/2010/main" w="9525">
                     <a:solidFill>
                       <a:srgbClr val="000000"/>
                     </a:solidFill>
@@ -10727,7 +10730,7 @@
               </a:ln>
               <a:extLst>
                 <a:ext uri="{91240B29-F687-4f45-9708-019B960494DF}">
-                  <a14:hiddenLine xmlns:a14="http://schemas.microsoft.com/office/drawing/2010/main" xmlns="" w="9525">
+                  <a14:hiddenLine xmlns="" xmlns:a14="http://schemas.microsoft.com/office/drawing/2010/main" w="9525">
                     <a:solidFill>
                       <a:srgbClr val="000000"/>
                     </a:solidFill>
@@ -10817,7 +10820,7 @@
               </a:ln>
               <a:extLst>
                 <a:ext uri="{91240B29-F687-4f45-9708-019B960494DF}">
-                  <a14:hiddenLine xmlns:a14="http://schemas.microsoft.com/office/drawing/2010/main" xmlns="" w="9525">
+                  <a14:hiddenLine xmlns="" xmlns:a14="http://schemas.microsoft.com/office/drawing/2010/main" w="9525">
                     <a:solidFill>
                       <a:srgbClr val="000000"/>
                     </a:solidFill>
@@ -10907,7 +10910,7 @@
               </a:ln>
               <a:extLst>
                 <a:ext uri="{91240B29-F687-4f45-9708-019B960494DF}">
-                  <a14:hiddenLine xmlns:a14="http://schemas.microsoft.com/office/drawing/2010/main" xmlns="" w="9525">
+                  <a14:hiddenLine xmlns="" xmlns:a14="http://schemas.microsoft.com/office/drawing/2010/main" w="9525">
                     <a:solidFill>
                       <a:srgbClr val="000000"/>
                     </a:solidFill>
@@ -10972,7 +10975,7 @@
               </a:ln>
               <a:extLst>
                 <a:ext uri="{91240B29-F687-4f45-9708-019B960494DF}">
-                  <a14:hiddenLine xmlns:a14="http://schemas.microsoft.com/office/drawing/2010/main" xmlns="" w="9525">
+                  <a14:hiddenLine xmlns="" xmlns:a14="http://schemas.microsoft.com/office/drawing/2010/main" w="9525">
                     <a:solidFill>
                       <a:srgbClr val="000000"/>
                     </a:solidFill>
@@ -11092,7 +11095,7 @@
               </a:ln>
               <a:extLst>
                 <a:ext uri="{91240B29-F687-4f45-9708-019B960494DF}">
-                  <a14:hiddenLine xmlns:a14="http://schemas.microsoft.com/office/drawing/2010/main" xmlns="" w="9525">
+                  <a14:hiddenLine xmlns="" xmlns:a14="http://schemas.microsoft.com/office/drawing/2010/main" w="9525">
                     <a:solidFill>
                       <a:srgbClr val="000000"/>
                     </a:solidFill>
@@ -11190,7 +11193,7 @@
               </a:ln>
               <a:extLst>
                 <a:ext uri="{91240B29-F687-4f45-9708-019B960494DF}">
-                  <a14:hiddenLine xmlns:a14="http://schemas.microsoft.com/office/drawing/2010/main" xmlns="" w="9525">
+                  <a14:hiddenLine xmlns="" xmlns:a14="http://schemas.microsoft.com/office/drawing/2010/main" w="9525">
                     <a:solidFill>
                       <a:srgbClr val="000000"/>
                     </a:solidFill>
@@ -11305,7 +11308,7 @@
               </a:ln>
               <a:extLst>
                 <a:ext uri="{91240B29-F687-4f45-9708-019B960494DF}">
-                  <a14:hiddenLine xmlns:a14="http://schemas.microsoft.com/office/drawing/2010/main" xmlns="" w="9525">
+                  <a14:hiddenLine xmlns="" xmlns:a14="http://schemas.microsoft.com/office/drawing/2010/main" w="9525">
                     <a:solidFill>
                       <a:srgbClr val="000000"/>
                     </a:solidFill>
@@ -11395,7 +11398,7 @@
               </a:ln>
               <a:extLst>
                 <a:ext uri="{91240B29-F687-4f45-9708-019B960494DF}">
-                  <a14:hiddenLine xmlns:a14="http://schemas.microsoft.com/office/drawing/2010/main" xmlns="" w="9525">
+                  <a14:hiddenLine xmlns="" xmlns:a14="http://schemas.microsoft.com/office/drawing/2010/main" w="9525">
                     <a:solidFill>
                       <a:srgbClr val="000000"/>
                     </a:solidFill>
@@ -11460,7 +11463,7 @@
               </a:ln>
               <a:extLst>
                 <a:ext uri="{91240B29-F687-4f45-9708-019B960494DF}">
-                  <a14:hiddenLine xmlns:a14="http://schemas.microsoft.com/office/drawing/2010/main" xmlns="" w="9525">
+                  <a14:hiddenLine xmlns="" xmlns:a14="http://schemas.microsoft.com/office/drawing/2010/main" w="9525">
                     <a:solidFill>
                       <a:srgbClr val="000000"/>
                     </a:solidFill>
@@ -11550,7 +11553,7 @@
               </a:ln>
               <a:extLst>
                 <a:ext uri="{91240B29-F687-4f45-9708-019B960494DF}">
-                  <a14:hiddenLine xmlns:a14="http://schemas.microsoft.com/office/drawing/2010/main" xmlns="" w="9525">
+                  <a14:hiddenLine xmlns="" xmlns:a14="http://schemas.microsoft.com/office/drawing/2010/main" w="9525">
                     <a:solidFill>
                       <a:srgbClr val="000000"/>
                     </a:solidFill>
@@ -11618,7 +11621,7 @@
               </a:ln>
               <a:extLst>
                 <a:ext uri="{91240B29-F687-4f45-9708-019B960494DF}">
-                  <a14:hiddenLine xmlns:a14="http://schemas.microsoft.com/office/drawing/2010/main" xmlns="" w="9525">
+                  <a14:hiddenLine xmlns="" xmlns:a14="http://schemas.microsoft.com/office/drawing/2010/main" w="9525">
                     <a:solidFill>
                       <a:srgbClr val="000000"/>
                     </a:solidFill>
@@ -11708,7 +11711,7 @@
               </a:ln>
               <a:extLst>
                 <a:ext uri="{91240B29-F687-4f45-9708-019B960494DF}">
-                  <a14:hiddenLine xmlns:a14="http://schemas.microsoft.com/office/drawing/2010/main" xmlns="" w="9525">
+                  <a14:hiddenLine xmlns="" xmlns:a14="http://schemas.microsoft.com/office/drawing/2010/main" w="9525">
                     <a:solidFill>
                       <a:srgbClr val="000000"/>
                     </a:solidFill>
@@ -11776,7 +11779,7 @@
               </a:ln>
               <a:extLst>
                 <a:ext uri="{91240B29-F687-4f45-9708-019B960494DF}">
-                  <a14:hiddenLine xmlns:a14="http://schemas.microsoft.com/office/drawing/2010/main" xmlns="" w="9525">
+                  <a14:hiddenLine xmlns="" xmlns:a14="http://schemas.microsoft.com/office/drawing/2010/main" w="9525">
                     <a:solidFill>
                       <a:srgbClr val="000000"/>
                     </a:solidFill>
@@ -11866,7 +11869,7 @@
               </a:ln>
               <a:extLst>
                 <a:ext uri="{91240B29-F687-4f45-9708-019B960494DF}">
-                  <a14:hiddenLine xmlns:a14="http://schemas.microsoft.com/office/drawing/2010/main" xmlns="" w="9525">
+                  <a14:hiddenLine xmlns="" xmlns:a14="http://schemas.microsoft.com/office/drawing/2010/main" w="9525">
                     <a:solidFill>
                       <a:srgbClr val="000000"/>
                     </a:solidFill>
@@ -11900,7 +11903,7 @@
               </a:ln>
               <a:extLst>
                 <a:ext uri="{91240B29-F687-4f45-9708-019B960494DF}">
-                  <a14:hiddenLine xmlns:a14="http://schemas.microsoft.com/office/drawing/2010/main" xmlns="" w="9525">
+                  <a14:hiddenLine xmlns="" xmlns:a14="http://schemas.microsoft.com/office/drawing/2010/main" w="9525">
                     <a:solidFill>
                       <a:srgbClr val="000000"/>
                     </a:solidFill>
@@ -12040,7 +12043,7 @@
           <a:p>
             <a:fld id="{BAFBD940-02ED-46BD-8F78-E6742406428C}" type="datetimeFigureOut">
               <a:rPr lang="fr-FR" smtClean="0"/>
-              <a:t>22/05/2024</a:t>
+              <a:t>27/05/2024</a:t>
             </a:fld>
             <a:endParaRPr lang="fr-FR"/>
           </a:p>
@@ -12693,6 +12696,18 @@
               <a:t>Cette veille informationnelle nous a permis de déterminer des solutions concrètes aux différents besoins et contraintes de notre projet. Nous avons donc retenu les outils suivants :</a:t>
             </a:r>
           </a:p>
+          <a:p>
+            <a:pPr marL="0" indent="0">
+              <a:buNone/>
+            </a:pPr>
+            <a:endParaRPr lang="fr-FR" dirty="0"/>
+          </a:p>
+          <a:p>
+            <a:r>
+              <a:rPr lang="fr-FR" dirty="0"/>
+              <a:t>Frontend :</a:t>
+            </a:r>
+          </a:p>
         </p:txBody>
       </p:sp>
       <p:pic>
@@ -12723,8 +12738,8 @@
         </p:blipFill>
         <p:spPr>
           <a:xfrm>
-            <a:off x="1067112" y="3897687"/>
-            <a:ext cx="3798233" cy="1424337"/>
+            <a:off x="2402463" y="3813613"/>
+            <a:ext cx="3471148" cy="1301680"/>
           </a:xfrm>
           <a:prstGeom prst="rect">
             <a:avLst/>
@@ -12733,10 +12748,10 @@
       </p:pic>
       <p:pic>
         <p:nvPicPr>
-          <p:cNvPr id="7" name="Image 6" descr="Une image contenant capture d’écran, Graphique, conception&#10;&#10;Description générée automatiquement">
+          <p:cNvPr id="6" name="Image 5" descr="Une image contenant texte, Police, capture d’écran&#10;&#10;Description générée automatiquement">
             <a:extLst>
               <a:ext uri="{FF2B5EF4-FFF2-40B4-BE49-F238E27FC236}">
-                <a16:creationId xmlns:a16="http://schemas.microsoft.com/office/drawing/2014/main" id="{02A1514B-299C-17C6-9710-D63DEEE190EA}"/>
+                <a16:creationId xmlns:a16="http://schemas.microsoft.com/office/drawing/2014/main" id="{10EA2C75-199C-0847-9A2D-138A0728FAB2}"/>
               </a:ext>
             </a:extLst>
           </p:cNvPr>
@@ -12759,8 +12774,103 @@
         </p:blipFill>
         <p:spPr>
           <a:xfrm>
-            <a:off x="4865345" y="4142999"/>
-            <a:ext cx="1926939" cy="1179025"/>
+            <a:off x="5527445" y="3813613"/>
+            <a:ext cx="5649470" cy="1301680"/>
+          </a:xfrm>
+          <a:prstGeom prst="rect">
+            <a:avLst/>
+          </a:prstGeom>
+        </p:spPr>
+      </p:pic>
+    </p:spTree>
+    <p:extLst>
+      <p:ext uri="{BB962C8B-B14F-4D97-AF65-F5344CB8AC3E}">
+        <p14:creationId xmlns:p14="http://schemas.microsoft.com/office/powerpoint/2010/main" val="554006473"/>
+      </p:ext>
+    </p:extLst>
+  </p:cSld>
+  <p:clrMapOvr>
+    <a:masterClrMapping/>
+  </p:clrMapOvr>
+</p:sld>
+</file>
+
+<file path=ppt/slides/slide11.xml><?xml version="1.0" encoding="utf-8"?>
+<p:sld xmlns:a="http://schemas.openxmlformats.org/drawingml/2006/main" xmlns:r="http://schemas.openxmlformats.org/officeDocument/2006/relationships" xmlns:p="http://schemas.openxmlformats.org/presentationml/2006/main">
+  <p:cSld>
+    <p:spTree>
+      <p:nvGrpSpPr>
+        <p:cNvPr id="1" name=""/>
+        <p:cNvGrpSpPr/>
+        <p:nvPr/>
+      </p:nvGrpSpPr>
+      <p:grpSpPr>
+        <a:xfrm>
+          <a:off x="0" y="0"/>
+          <a:ext cx="0" cy="0"/>
+          <a:chOff x="0" y="0"/>
+          <a:chExt cx="0" cy="0"/>
+        </a:xfrm>
+      </p:grpSpPr>
+      <p:sp>
+        <p:nvSpPr>
+          <p:cNvPr id="2" name="Titre 1">
+            <a:extLst>
+              <a:ext uri="{FF2B5EF4-FFF2-40B4-BE49-F238E27FC236}">
+                <a16:creationId xmlns:a16="http://schemas.microsoft.com/office/drawing/2014/main" id="{D98E5A74-48D5-D7FD-AD97-01906C480264}"/>
+              </a:ext>
+            </a:extLst>
+          </p:cNvPr>
+          <p:cNvSpPr>
+            <a:spLocks noGrp="1"/>
+          </p:cNvSpPr>
+          <p:nvPr>
+            <p:ph type="title"/>
+          </p:nvPr>
+        </p:nvSpPr>
+        <p:spPr/>
+        <p:txBody>
+          <a:bodyPr/>
+          <a:lstStyle/>
+          <a:p>
+            <a:pPr algn="ctr"/>
+            <a:r>
+              <a:rPr lang="fr-FR" dirty="0"/>
+              <a:t>Outils retenus grâce à la veille</a:t>
+            </a:r>
+          </a:p>
+        </p:txBody>
+      </p:sp>
+      <p:pic>
+        <p:nvPicPr>
+          <p:cNvPr id="9" name="Image 8" descr="Une image contenant capture d’écran, Graphique, conception&#10;&#10;Description générée automatiquement">
+            <a:extLst>
+              <a:ext uri="{FF2B5EF4-FFF2-40B4-BE49-F238E27FC236}">
+                <a16:creationId xmlns:a16="http://schemas.microsoft.com/office/drawing/2014/main" id="{9EBF026B-E40A-6F2F-3111-2CFC40EC022B}"/>
+              </a:ext>
+            </a:extLst>
+          </p:cNvPr>
+          <p:cNvPicPr>
+            <a:picLocks noChangeAspect="1"/>
+          </p:cNvPicPr>
+          <p:nvPr/>
+        </p:nvPicPr>
+        <p:blipFill>
+          <a:blip r:embed="rId2">
+            <a:extLst>
+              <a:ext uri="{28A0092B-C50C-407E-A947-70E740481C1C}">
+                <a14:useLocalDpi xmlns:a14="http://schemas.microsoft.com/office/drawing/2010/main" val="0"/>
+              </a:ext>
+            </a:extLst>
+          </a:blip>
+          <a:stretch>
+            <a:fillRect/>
+          </a:stretch>
+        </p:blipFill>
+        <p:spPr>
+          <a:xfrm>
+            <a:off x="3447288" y="2094756"/>
+            <a:ext cx="1891448" cy="1276665"/>
           </a:xfrm>
           <a:prstGeom prst="rect">
             <a:avLst/>
@@ -12769,10 +12879,100 @@
       </p:pic>
       <p:pic>
         <p:nvPicPr>
-          <p:cNvPr id="9" name="Image 8" descr="Une image contenant Graphique, Police, graphisme, logo&#10;&#10;Description générée automatiquement">
+          <p:cNvPr id="11" name="Image 10" descr="Une image contenant texte, Police, capture d’écran&#10;&#10;Description générée automatiquement">
             <a:extLst>
               <a:ext uri="{FF2B5EF4-FFF2-40B4-BE49-F238E27FC236}">
-                <a16:creationId xmlns:a16="http://schemas.microsoft.com/office/drawing/2014/main" id="{A25F6100-15B0-7635-D452-9B7BD08CE0E7}"/>
+                <a16:creationId xmlns:a16="http://schemas.microsoft.com/office/drawing/2014/main" id="{BA71B81C-72DC-BC23-88D8-40AD9EA4D34F}"/>
+              </a:ext>
+            </a:extLst>
+          </p:cNvPr>
+          <p:cNvPicPr>
+            <a:picLocks noChangeAspect="1"/>
+          </p:cNvPicPr>
+          <p:nvPr/>
+        </p:nvPicPr>
+        <p:blipFill>
+          <a:blip r:embed="rId3">
+            <a:extLst>
+              <a:ext uri="{28A0092B-C50C-407E-A947-70E740481C1C}">
+                <a14:useLocalDpi xmlns:a14="http://schemas.microsoft.com/office/drawing/2010/main" val="0"/>
+              </a:ext>
+            </a:extLst>
+          </a:blip>
+          <a:stretch>
+            <a:fillRect/>
+          </a:stretch>
+        </p:blipFill>
+        <p:spPr>
+          <a:xfrm>
+            <a:off x="5739384" y="2094756"/>
+            <a:ext cx="5308027" cy="1274334"/>
+          </a:xfrm>
+          <a:prstGeom prst="rect">
+            <a:avLst/>
+          </a:prstGeom>
+        </p:spPr>
+      </p:pic>
+      <p:sp>
+        <p:nvSpPr>
+          <p:cNvPr id="14" name="Espace réservé du contenu 2">
+            <a:extLst>
+              <a:ext uri="{FF2B5EF4-FFF2-40B4-BE49-F238E27FC236}">
+                <a16:creationId xmlns:a16="http://schemas.microsoft.com/office/drawing/2014/main" id="{FA2C8FBD-B11D-6EC4-2B0F-E78E52E90154}"/>
+              </a:ext>
+            </a:extLst>
+          </p:cNvPr>
+          <p:cNvSpPr>
+            <a:spLocks noGrp="1"/>
+          </p:cNvSpPr>
+          <p:nvPr>
+            <p:ph idx="1"/>
+          </p:nvPr>
+        </p:nvSpPr>
+        <p:spPr>
+          <a:xfrm>
+            <a:off x="1141412" y="2249487"/>
+            <a:ext cx="9905999" cy="3541714"/>
+          </a:xfrm>
+        </p:spPr>
+        <p:txBody>
+          <a:bodyPr/>
+          <a:lstStyle/>
+          <a:p>
+            <a:r>
+              <a:rPr lang="fr-FR" dirty="0"/>
+              <a:t>Backend :</a:t>
+            </a:r>
+          </a:p>
+          <a:p>
+            <a:endParaRPr lang="fr-FR" dirty="0"/>
+          </a:p>
+          <a:p>
+            <a:endParaRPr lang="fr-FR" dirty="0"/>
+          </a:p>
+          <a:p>
+            <a:r>
+              <a:rPr lang="fr-FR" dirty="0"/>
+              <a:t>Composants réutilisables :</a:t>
+            </a:r>
+          </a:p>
+          <a:p>
+            <a:endParaRPr lang="fr-FR" dirty="0"/>
+          </a:p>
+          <a:p>
+            <a:r>
+              <a:rPr lang="fr-FR" dirty="0"/>
+              <a:t>Base de données :  </a:t>
+            </a:r>
+          </a:p>
+        </p:txBody>
+      </p:sp>
+      <p:pic>
+        <p:nvPicPr>
+          <p:cNvPr id="16" name="Image 15" descr="Une image contenant logo, Graphique, symbole, Police&#10;&#10;Description générée automatiquement">
+            <a:extLst>
+              <a:ext uri="{FF2B5EF4-FFF2-40B4-BE49-F238E27FC236}">
+                <a16:creationId xmlns:a16="http://schemas.microsoft.com/office/drawing/2014/main" id="{BD71C0A8-74E9-1F96-3FA8-EB4D8FDC8057}"/>
               </a:ext>
             </a:extLst>
           </p:cNvPr>
@@ -12795,8 +12995,116 @@
         </p:blipFill>
         <p:spPr>
           <a:xfrm>
-            <a:off x="7956378" y="4020344"/>
-            <a:ext cx="1926938" cy="996964"/>
+            <a:off x="4894963" y="3486580"/>
+            <a:ext cx="1688841" cy="1688841"/>
+          </a:xfrm>
+          <a:prstGeom prst="rect">
+            <a:avLst/>
+          </a:prstGeom>
+        </p:spPr>
+      </p:pic>
+      <p:pic>
+        <p:nvPicPr>
+          <p:cNvPr id="18" name="Image 17" descr="Une image contenant texte, capture d’écran&#10;&#10;Description générée automatiquement">
+            <a:extLst>
+              <a:ext uri="{FF2B5EF4-FFF2-40B4-BE49-F238E27FC236}">
+                <a16:creationId xmlns:a16="http://schemas.microsoft.com/office/drawing/2014/main" id="{F9492230-3BD5-A3C5-E46F-4FC3A0BB2E80}"/>
+              </a:ext>
+            </a:extLst>
+          </p:cNvPr>
+          <p:cNvPicPr>
+            <a:picLocks noChangeAspect="1"/>
+          </p:cNvPicPr>
+          <p:nvPr/>
+        </p:nvPicPr>
+        <p:blipFill>
+          <a:blip r:embed="rId5">
+            <a:extLst>
+              <a:ext uri="{28A0092B-C50C-407E-A947-70E740481C1C}">
+                <a14:useLocalDpi xmlns:a14="http://schemas.microsoft.com/office/drawing/2010/main" val="0"/>
+              </a:ext>
+            </a:extLst>
+          </a:blip>
+          <a:stretch>
+            <a:fillRect/>
+          </a:stretch>
+        </p:blipFill>
+        <p:spPr>
+          <a:xfrm>
+            <a:off x="6714897" y="3737618"/>
+            <a:ext cx="4687112" cy="1098081"/>
+          </a:xfrm>
+          <a:prstGeom prst="rect">
+            <a:avLst/>
+          </a:prstGeom>
+        </p:spPr>
+      </p:pic>
+      <p:pic>
+        <p:nvPicPr>
+          <p:cNvPr id="20" name="Image 19" descr="Une image contenant Graphique, Police, graphisme, logo&#10;&#10;Description générée automatiquement">
+            <a:extLst>
+              <a:ext uri="{FF2B5EF4-FFF2-40B4-BE49-F238E27FC236}">
+                <a16:creationId xmlns:a16="http://schemas.microsoft.com/office/drawing/2014/main" id="{0BFC4191-FC8E-9539-76E2-DD7CAADE138D}"/>
+              </a:ext>
+            </a:extLst>
+          </p:cNvPr>
+          <p:cNvPicPr>
+            <a:picLocks noChangeAspect="1"/>
+          </p:cNvPicPr>
+          <p:nvPr/>
+        </p:nvPicPr>
+        <p:blipFill>
+          <a:blip r:embed="rId6">
+            <a:extLst>
+              <a:ext uri="{28A0092B-C50C-407E-A947-70E740481C1C}">
+                <a14:useLocalDpi xmlns:a14="http://schemas.microsoft.com/office/drawing/2010/main" val="0"/>
+              </a:ext>
+            </a:extLst>
+          </a:blip>
+          <a:stretch>
+            <a:fillRect/>
+          </a:stretch>
+        </p:blipFill>
+        <p:spPr>
+          <a:xfrm>
+            <a:off x="3985060" y="5044614"/>
+            <a:ext cx="1557620" cy="805885"/>
+          </a:xfrm>
+          <a:prstGeom prst="rect">
+            <a:avLst/>
+          </a:prstGeom>
+        </p:spPr>
+      </p:pic>
+      <p:pic>
+        <p:nvPicPr>
+          <p:cNvPr id="22" name="Image 21" descr="Une image contenant texte, Police, capture d’écran&#10;&#10;Description générée automatiquement">
+            <a:extLst>
+              <a:ext uri="{FF2B5EF4-FFF2-40B4-BE49-F238E27FC236}">
+                <a16:creationId xmlns:a16="http://schemas.microsoft.com/office/drawing/2014/main" id="{782F81FE-5933-7BFB-0AA2-039F95553346}"/>
+              </a:ext>
+            </a:extLst>
+          </p:cNvPr>
+          <p:cNvPicPr>
+            <a:picLocks noChangeAspect="1"/>
+          </p:cNvPicPr>
+          <p:nvPr/>
+        </p:nvPicPr>
+        <p:blipFill>
+          <a:blip r:embed="rId7">
+            <a:extLst>
+              <a:ext uri="{28A0092B-C50C-407E-A947-70E740481C1C}">
+                <a14:useLocalDpi xmlns:a14="http://schemas.microsoft.com/office/drawing/2010/main" val="0"/>
+              </a:ext>
+            </a:extLst>
+          </a:blip>
+          <a:stretch>
+            <a:fillRect/>
+          </a:stretch>
+        </p:blipFill>
+        <p:spPr>
+          <a:xfrm>
+            <a:off x="6177921" y="5044614"/>
+            <a:ext cx="4713533" cy="1098081"/>
           </a:xfrm>
           <a:prstGeom prst="rect">
             <a:avLst/>
@@ -12806,7 +13114,7 @@
     </p:spTree>
     <p:extLst>
       <p:ext uri="{BB962C8B-B14F-4D97-AF65-F5344CB8AC3E}">
-        <p14:creationId xmlns:p14="http://schemas.microsoft.com/office/powerpoint/2010/main" val="554006473"/>
+        <p14:creationId xmlns:p14="http://schemas.microsoft.com/office/powerpoint/2010/main" val="893024538"/>
       </p:ext>
     </p:extLst>
   </p:cSld>
@@ -12816,7 +13124,594 @@
 </p:sld>
 </file>
 
-<file path=ppt/slides/slide11.xml><?xml version="1.0" encoding="utf-8"?>
+<file path=ppt/slides/slide12.xml><?xml version="1.0" encoding="utf-8"?>
+<p:sld xmlns:a="http://schemas.openxmlformats.org/drawingml/2006/main" xmlns:r="http://schemas.openxmlformats.org/officeDocument/2006/relationships" xmlns:p="http://schemas.openxmlformats.org/presentationml/2006/main">
+  <p:cSld>
+    <p:spTree>
+      <p:nvGrpSpPr>
+        <p:cNvPr id="1" name=""/>
+        <p:cNvGrpSpPr/>
+        <p:nvPr/>
+      </p:nvGrpSpPr>
+      <p:grpSpPr>
+        <a:xfrm>
+          <a:off x="0" y="0"/>
+          <a:ext cx="0" cy="0"/>
+          <a:chOff x="0" y="0"/>
+          <a:chExt cx="0" cy="0"/>
+        </a:xfrm>
+      </p:grpSpPr>
+      <p:sp>
+        <p:nvSpPr>
+          <p:cNvPr id="2" name="Titre 1">
+            <a:extLst>
+              <a:ext uri="{FF2B5EF4-FFF2-40B4-BE49-F238E27FC236}">
+                <a16:creationId xmlns:a16="http://schemas.microsoft.com/office/drawing/2014/main" id="{D98E5A74-48D5-D7FD-AD97-01906C480264}"/>
+              </a:ext>
+            </a:extLst>
+          </p:cNvPr>
+          <p:cNvSpPr>
+            <a:spLocks noGrp="1"/>
+          </p:cNvSpPr>
+          <p:nvPr>
+            <p:ph type="title"/>
+          </p:nvPr>
+        </p:nvSpPr>
+        <p:spPr/>
+        <p:txBody>
+          <a:bodyPr/>
+          <a:lstStyle/>
+          <a:p>
+            <a:pPr algn="ctr"/>
+            <a:r>
+              <a:rPr lang="fr-FR" dirty="0"/>
+              <a:t>Outils retenus grâce à la veille</a:t>
+            </a:r>
+          </a:p>
+        </p:txBody>
+      </p:sp>
+      <p:sp>
+        <p:nvSpPr>
+          <p:cNvPr id="14" name="Espace réservé du contenu 2">
+            <a:extLst>
+              <a:ext uri="{FF2B5EF4-FFF2-40B4-BE49-F238E27FC236}">
+                <a16:creationId xmlns:a16="http://schemas.microsoft.com/office/drawing/2014/main" id="{FA2C8FBD-B11D-6EC4-2B0F-E78E52E90154}"/>
+              </a:ext>
+            </a:extLst>
+          </p:cNvPr>
+          <p:cNvSpPr>
+            <a:spLocks noGrp="1"/>
+          </p:cNvSpPr>
+          <p:nvPr>
+            <p:ph idx="1"/>
+          </p:nvPr>
+        </p:nvSpPr>
+        <p:spPr>
+          <a:xfrm>
+            <a:off x="1141412" y="2249486"/>
+            <a:ext cx="9905999" cy="4235289"/>
+          </a:xfrm>
+        </p:spPr>
+        <p:txBody>
+          <a:bodyPr/>
+          <a:lstStyle/>
+          <a:p>
+            <a:r>
+              <a:rPr lang="fr-FR" dirty="0"/>
+              <a:t>Session utilisateur : </a:t>
+            </a:r>
+            <a:r>
+              <a:rPr lang="fr-FR" dirty="0" err="1"/>
+              <a:t>localStorage</a:t>
+            </a:r>
+            <a:r>
+              <a:rPr lang="fr-FR" dirty="0"/>
+              <a:t> &amp; </a:t>
+            </a:r>
+            <a:r>
+              <a:rPr lang="fr-FR" dirty="0" err="1"/>
+              <a:t>Nodemailer</a:t>
+            </a:r>
+            <a:r>
+              <a:rPr lang="fr-FR" dirty="0"/>
+              <a:t> (Front), Passport.js (End)</a:t>
+            </a:r>
+          </a:p>
+          <a:p>
+            <a:endParaRPr lang="fr-FR" dirty="0"/>
+          </a:p>
+          <a:p>
+            <a:endParaRPr lang="fr-FR" dirty="0"/>
+          </a:p>
+          <a:p>
+            <a:r>
+              <a:rPr lang="fr-FR" dirty="0"/>
+              <a:t>Gestion d’état : </a:t>
+            </a:r>
+            <a:r>
+              <a:rPr lang="fr-FR" dirty="0" err="1"/>
+              <a:t>Redux</a:t>
+            </a:r>
+            <a:endParaRPr lang="fr-FR" dirty="0"/>
+          </a:p>
+          <a:p>
+            <a:endParaRPr lang="fr-FR" dirty="0"/>
+          </a:p>
+          <a:p>
+            <a:endParaRPr lang="fr-FR" dirty="0"/>
+          </a:p>
+          <a:p>
+            <a:r>
+              <a:rPr lang="fr-FR" dirty="0"/>
+              <a:t>API : API Deliveroo</a:t>
+            </a:r>
+          </a:p>
+          <a:p>
+            <a:endParaRPr lang="fr-FR" dirty="0"/>
+          </a:p>
+          <a:p>
+            <a:endParaRPr lang="fr-FR" dirty="0"/>
+          </a:p>
+        </p:txBody>
+      </p:sp>
+      <p:pic>
+        <p:nvPicPr>
+          <p:cNvPr id="4" name="Image 3" descr="Une image contenant texte, Police, capture d’écran, ligne&#10;&#10;Description générée automatiquement">
+            <a:extLst>
+              <a:ext uri="{FF2B5EF4-FFF2-40B4-BE49-F238E27FC236}">
+                <a16:creationId xmlns:a16="http://schemas.microsoft.com/office/drawing/2014/main" id="{9D6391D7-416F-BF44-9E34-7776D7B5EF82}"/>
+              </a:ext>
+            </a:extLst>
+          </p:cNvPr>
+          <p:cNvPicPr>
+            <a:picLocks noChangeAspect="1"/>
+          </p:cNvPicPr>
+          <p:nvPr/>
+        </p:nvPicPr>
+        <p:blipFill>
+          <a:blip r:embed="rId2">
+            <a:extLst>
+              <a:ext uri="{28A0092B-C50C-407E-A947-70E740481C1C}">
+                <a14:useLocalDpi xmlns:a14="http://schemas.microsoft.com/office/drawing/2010/main" val="0"/>
+              </a:ext>
+            </a:extLst>
+          </a:blip>
+          <a:stretch>
+            <a:fillRect/>
+          </a:stretch>
+        </p:blipFill>
+        <p:spPr>
+          <a:xfrm>
+            <a:off x="4531141" y="5398773"/>
+            <a:ext cx="6096851" cy="1086002"/>
+          </a:xfrm>
+          <a:prstGeom prst="rect">
+            <a:avLst/>
+          </a:prstGeom>
+        </p:spPr>
+      </p:pic>
+      <p:pic>
+        <p:nvPicPr>
+          <p:cNvPr id="6" name="Image 5" descr="Une image contenant texte, Police, ligne, capture d’écran&#10;&#10;Description générée automatiquement">
+            <a:extLst>
+              <a:ext uri="{FF2B5EF4-FFF2-40B4-BE49-F238E27FC236}">
+                <a16:creationId xmlns:a16="http://schemas.microsoft.com/office/drawing/2014/main" id="{DD3344C7-2302-EBA0-5870-415A3F8782B1}"/>
+              </a:ext>
+            </a:extLst>
+          </p:cNvPr>
+          <p:cNvPicPr>
+            <a:picLocks noChangeAspect="1"/>
+          </p:cNvPicPr>
+          <p:nvPr/>
+        </p:nvPicPr>
+        <p:blipFill>
+          <a:blip r:embed="rId3">
+            <a:extLst>
+              <a:ext uri="{28A0092B-C50C-407E-A947-70E740481C1C}">
+                <a14:useLocalDpi xmlns:a14="http://schemas.microsoft.com/office/drawing/2010/main" val="0"/>
+              </a:ext>
+            </a:extLst>
+          </a:blip>
+          <a:stretch>
+            <a:fillRect/>
+          </a:stretch>
+        </p:blipFill>
+        <p:spPr>
+          <a:xfrm>
+            <a:off x="8304886" y="2907480"/>
+            <a:ext cx="3530151" cy="755288"/>
+          </a:xfrm>
+          <a:prstGeom prst="rect">
+            <a:avLst/>
+          </a:prstGeom>
+        </p:spPr>
+      </p:pic>
+      <p:pic>
+        <p:nvPicPr>
+          <p:cNvPr id="8" name="Image 7" descr="Une image contenant texte, capture d’écran, Police, ligne&#10;&#10;Description générée automatiquement">
+            <a:extLst>
+              <a:ext uri="{FF2B5EF4-FFF2-40B4-BE49-F238E27FC236}">
+                <a16:creationId xmlns:a16="http://schemas.microsoft.com/office/drawing/2014/main" id="{FD7D2BD6-2126-0F9F-4541-F49E4007E28E}"/>
+              </a:ext>
+            </a:extLst>
+          </p:cNvPr>
+          <p:cNvPicPr>
+            <a:picLocks noChangeAspect="1"/>
+          </p:cNvPicPr>
+          <p:nvPr/>
+        </p:nvPicPr>
+        <p:blipFill>
+          <a:blip r:embed="rId4">
+            <a:extLst>
+              <a:ext uri="{28A0092B-C50C-407E-A947-70E740481C1C}">
+                <a14:useLocalDpi xmlns:a14="http://schemas.microsoft.com/office/drawing/2010/main" val="0"/>
+              </a:ext>
+            </a:extLst>
+          </a:blip>
+          <a:stretch>
+            <a:fillRect/>
+          </a:stretch>
+        </p:blipFill>
+        <p:spPr>
+          <a:xfrm>
+            <a:off x="4494531" y="2908432"/>
+            <a:ext cx="3199759" cy="758499"/>
+          </a:xfrm>
+          <a:prstGeom prst="rect">
+            <a:avLst/>
+          </a:prstGeom>
+        </p:spPr>
+      </p:pic>
+      <p:pic>
+        <p:nvPicPr>
+          <p:cNvPr id="12" name="Image 11" descr="Une image contenant texte, Police, capture d’écran, ligne&#10;&#10;Description générée automatiquement">
+            <a:extLst>
+              <a:ext uri="{FF2B5EF4-FFF2-40B4-BE49-F238E27FC236}">
+                <a16:creationId xmlns:a16="http://schemas.microsoft.com/office/drawing/2014/main" id="{6E40711B-B2FE-E854-C6C2-C1E869C1A5EC}"/>
+              </a:ext>
+            </a:extLst>
+          </p:cNvPr>
+          <p:cNvPicPr>
+            <a:picLocks noChangeAspect="1"/>
+          </p:cNvPicPr>
+          <p:nvPr/>
+        </p:nvPicPr>
+        <p:blipFill>
+          <a:blip r:embed="rId5">
+            <a:extLst>
+              <a:ext uri="{28A0092B-C50C-407E-A947-70E740481C1C}">
+                <a14:useLocalDpi xmlns:a14="http://schemas.microsoft.com/office/drawing/2010/main" val="0"/>
+              </a:ext>
+            </a:extLst>
+          </a:blip>
+          <a:stretch>
+            <a:fillRect/>
+          </a:stretch>
+        </p:blipFill>
+        <p:spPr>
+          <a:xfrm>
+            <a:off x="4494531" y="3873156"/>
+            <a:ext cx="4513249" cy="1086001"/>
+          </a:xfrm>
+          <a:prstGeom prst="rect">
+            <a:avLst/>
+          </a:prstGeom>
+        </p:spPr>
+      </p:pic>
+      <p:pic>
+        <p:nvPicPr>
+          <p:cNvPr id="15" name="Image 14" descr="Une image contenant texte, Police, capture d’écran&#10;&#10;Description générée automatiquement">
+            <a:extLst>
+              <a:ext uri="{FF2B5EF4-FFF2-40B4-BE49-F238E27FC236}">
+                <a16:creationId xmlns:a16="http://schemas.microsoft.com/office/drawing/2014/main" id="{BCB39237-E34B-2BD4-1688-F5A3A99872BA}"/>
+              </a:ext>
+            </a:extLst>
+          </p:cNvPr>
+          <p:cNvPicPr>
+            <a:picLocks noChangeAspect="1"/>
+          </p:cNvPicPr>
+          <p:nvPr/>
+        </p:nvPicPr>
+        <p:blipFill>
+          <a:blip r:embed="rId6">
+            <a:extLst>
+              <a:ext uri="{28A0092B-C50C-407E-A947-70E740481C1C}">
+                <a14:useLocalDpi xmlns:a14="http://schemas.microsoft.com/office/drawing/2010/main" val="0"/>
+              </a:ext>
+            </a:extLst>
+          </a:blip>
+          <a:stretch>
+            <a:fillRect/>
+          </a:stretch>
+        </p:blipFill>
+        <p:spPr>
+          <a:xfrm>
+            <a:off x="353786" y="2907480"/>
+            <a:ext cx="3735457" cy="755288"/>
+          </a:xfrm>
+          <a:prstGeom prst="rect">
+            <a:avLst/>
+          </a:prstGeom>
+        </p:spPr>
+      </p:pic>
+    </p:spTree>
+    <p:extLst>
+      <p:ext uri="{BB962C8B-B14F-4D97-AF65-F5344CB8AC3E}">
+        <p14:creationId xmlns:p14="http://schemas.microsoft.com/office/powerpoint/2010/main" val="3343292611"/>
+      </p:ext>
+    </p:extLst>
+  </p:cSld>
+  <p:clrMapOvr>
+    <a:masterClrMapping/>
+  </p:clrMapOvr>
+</p:sld>
+</file>
+
+<file path=ppt/slides/slide13.xml><?xml version="1.0" encoding="utf-8"?>
+<p:sld xmlns:a="http://schemas.openxmlformats.org/drawingml/2006/main" xmlns:r="http://schemas.openxmlformats.org/officeDocument/2006/relationships" xmlns:p="http://schemas.openxmlformats.org/presentationml/2006/main">
+  <p:cSld>
+    <p:spTree>
+      <p:nvGrpSpPr>
+        <p:cNvPr id="1" name=""/>
+        <p:cNvGrpSpPr/>
+        <p:nvPr/>
+      </p:nvGrpSpPr>
+      <p:grpSpPr>
+        <a:xfrm>
+          <a:off x="0" y="0"/>
+          <a:ext cx="0" cy="0"/>
+          <a:chOff x="0" y="0"/>
+          <a:chExt cx="0" cy="0"/>
+        </a:xfrm>
+      </p:grpSpPr>
+      <p:sp>
+        <p:nvSpPr>
+          <p:cNvPr id="2" name="Titre 1">
+            <a:extLst>
+              <a:ext uri="{FF2B5EF4-FFF2-40B4-BE49-F238E27FC236}">
+                <a16:creationId xmlns:a16="http://schemas.microsoft.com/office/drawing/2014/main" id="{D98E5A74-48D5-D7FD-AD97-01906C480264}"/>
+              </a:ext>
+            </a:extLst>
+          </p:cNvPr>
+          <p:cNvSpPr>
+            <a:spLocks noGrp="1"/>
+          </p:cNvSpPr>
+          <p:nvPr>
+            <p:ph type="title"/>
+          </p:nvPr>
+        </p:nvSpPr>
+        <p:spPr/>
+        <p:txBody>
+          <a:bodyPr/>
+          <a:lstStyle/>
+          <a:p>
+            <a:pPr algn="ctr"/>
+            <a:r>
+              <a:rPr lang="fr-FR" dirty="0"/>
+              <a:t>Outils retenus grâce à la veille</a:t>
+            </a:r>
+          </a:p>
+        </p:txBody>
+      </p:sp>
+      <p:sp>
+        <p:nvSpPr>
+          <p:cNvPr id="14" name="Espace réservé du contenu 2">
+            <a:extLst>
+              <a:ext uri="{FF2B5EF4-FFF2-40B4-BE49-F238E27FC236}">
+                <a16:creationId xmlns:a16="http://schemas.microsoft.com/office/drawing/2014/main" id="{FA2C8FBD-B11D-6EC4-2B0F-E78E52E90154}"/>
+              </a:ext>
+            </a:extLst>
+          </p:cNvPr>
+          <p:cNvSpPr>
+            <a:spLocks noGrp="1"/>
+          </p:cNvSpPr>
+          <p:nvPr>
+            <p:ph idx="1"/>
+          </p:nvPr>
+        </p:nvSpPr>
+        <p:spPr>
+          <a:xfrm>
+            <a:off x="1141412" y="2249486"/>
+            <a:ext cx="9905999" cy="4235289"/>
+          </a:xfrm>
+        </p:spPr>
+        <p:txBody>
+          <a:bodyPr/>
+          <a:lstStyle/>
+          <a:p>
+            <a:r>
+              <a:rPr lang="fr-FR" dirty="0"/>
+              <a:t>Formulaires : </a:t>
+            </a:r>
+            <a:r>
+              <a:rPr lang="fr-FR" dirty="0" err="1"/>
+              <a:t>React</a:t>
+            </a:r>
+            <a:r>
+              <a:rPr lang="fr-FR" dirty="0"/>
+              <a:t> Hook </a:t>
+            </a:r>
+            <a:r>
+              <a:rPr lang="fr-FR" dirty="0" err="1"/>
+              <a:t>Form</a:t>
+            </a:r>
+            <a:endParaRPr lang="fr-FR" dirty="0"/>
+          </a:p>
+          <a:p>
+            <a:endParaRPr lang="fr-FR" dirty="0"/>
+          </a:p>
+          <a:p>
+            <a:endParaRPr lang="fr-FR" dirty="0"/>
+          </a:p>
+          <a:p>
+            <a:r>
+              <a:rPr lang="fr-FR" dirty="0"/>
+              <a:t>Exportation PDF : </a:t>
+            </a:r>
+            <a:r>
+              <a:rPr lang="fr-FR" dirty="0" err="1"/>
+              <a:t>React</a:t>
+            </a:r>
+            <a:r>
+              <a:rPr lang="fr-FR" dirty="0"/>
+              <a:t>-PDF</a:t>
+            </a:r>
+          </a:p>
+          <a:p>
+            <a:endParaRPr lang="fr-FR" dirty="0"/>
+          </a:p>
+          <a:p>
+            <a:endParaRPr lang="fr-FR" dirty="0"/>
+          </a:p>
+          <a:p>
+            <a:r>
+              <a:rPr lang="fr-FR" dirty="0"/>
+              <a:t>Impression : </a:t>
+            </a:r>
+            <a:r>
+              <a:rPr lang="fr-FR" dirty="0" err="1"/>
+              <a:t>React</a:t>
+            </a:r>
+            <a:r>
+              <a:rPr lang="fr-FR" dirty="0"/>
+              <a:t>-To-</a:t>
+            </a:r>
+            <a:r>
+              <a:rPr lang="fr-FR" dirty="0" err="1"/>
+              <a:t>Print</a:t>
+            </a:r>
+            <a:endParaRPr lang="fr-FR" dirty="0"/>
+          </a:p>
+          <a:p>
+            <a:endParaRPr lang="fr-FR" dirty="0"/>
+          </a:p>
+          <a:p>
+            <a:endParaRPr lang="fr-FR" dirty="0"/>
+          </a:p>
+        </p:txBody>
+      </p:sp>
+      <p:pic>
+        <p:nvPicPr>
+          <p:cNvPr id="5" name="Image 4" descr="Une image contenant texte, Police, capture d’écran&#10;&#10;Description générée automatiquement">
+            <a:extLst>
+              <a:ext uri="{FF2B5EF4-FFF2-40B4-BE49-F238E27FC236}">
+                <a16:creationId xmlns:a16="http://schemas.microsoft.com/office/drawing/2014/main" id="{5A212EBD-71E9-A6E8-0707-13F575DFEF10}"/>
+              </a:ext>
+            </a:extLst>
+          </p:cNvPr>
+          <p:cNvPicPr>
+            <a:picLocks noChangeAspect="1"/>
+          </p:cNvPicPr>
+          <p:nvPr/>
+        </p:nvPicPr>
+        <p:blipFill>
+          <a:blip r:embed="rId2">
+            <a:extLst>
+              <a:ext uri="{28A0092B-C50C-407E-A947-70E740481C1C}">
+                <a14:useLocalDpi xmlns:a14="http://schemas.microsoft.com/office/drawing/2010/main" val="0"/>
+              </a:ext>
+            </a:extLst>
+          </a:blip>
+          <a:stretch>
+            <a:fillRect/>
+          </a:stretch>
+        </p:blipFill>
+        <p:spPr>
+          <a:xfrm>
+            <a:off x="5180696" y="5281128"/>
+            <a:ext cx="5115503" cy="1203648"/>
+          </a:xfrm>
+          <a:prstGeom prst="rect">
+            <a:avLst/>
+          </a:prstGeom>
+        </p:spPr>
+      </p:pic>
+      <p:pic>
+        <p:nvPicPr>
+          <p:cNvPr id="9" name="Image 8" descr="Une image contenant texte, Police, capture d’écran&#10;&#10;Description générée automatiquement">
+            <a:extLst>
+              <a:ext uri="{FF2B5EF4-FFF2-40B4-BE49-F238E27FC236}">
+                <a16:creationId xmlns:a16="http://schemas.microsoft.com/office/drawing/2014/main" id="{E3F5F629-F6DF-FEC9-A789-2851F8F062B7}"/>
+              </a:ext>
+            </a:extLst>
+          </p:cNvPr>
+          <p:cNvPicPr>
+            <a:picLocks noChangeAspect="1"/>
+          </p:cNvPicPr>
+          <p:nvPr/>
+        </p:nvPicPr>
+        <p:blipFill>
+          <a:blip r:embed="rId3">
+            <a:extLst>
+              <a:ext uri="{28A0092B-C50C-407E-A947-70E740481C1C}">
+                <a14:useLocalDpi xmlns:a14="http://schemas.microsoft.com/office/drawing/2010/main" val="0"/>
+              </a:ext>
+            </a:extLst>
+          </a:blip>
+          <a:stretch>
+            <a:fillRect/>
+          </a:stretch>
+        </p:blipFill>
+        <p:spPr>
+          <a:xfrm>
+            <a:off x="5180696" y="3651955"/>
+            <a:ext cx="5755790" cy="1203648"/>
+          </a:xfrm>
+          <a:prstGeom prst="rect">
+            <a:avLst/>
+          </a:prstGeom>
+        </p:spPr>
+      </p:pic>
+      <p:pic>
+        <p:nvPicPr>
+          <p:cNvPr id="11" name="Image 10" descr="Une image contenant texte, Police, capture d’écran&#10;&#10;Description générée automatiquement">
+            <a:extLst>
+              <a:ext uri="{FF2B5EF4-FFF2-40B4-BE49-F238E27FC236}">
+                <a16:creationId xmlns:a16="http://schemas.microsoft.com/office/drawing/2014/main" id="{CC86E5C7-A508-2240-9641-36775484B1BB}"/>
+              </a:ext>
+            </a:extLst>
+          </p:cNvPr>
+          <p:cNvPicPr>
+            <a:picLocks noChangeAspect="1"/>
+          </p:cNvPicPr>
+          <p:nvPr/>
+        </p:nvPicPr>
+        <p:blipFill>
+          <a:blip r:embed="rId4">
+            <a:extLst>
+              <a:ext uri="{28A0092B-C50C-407E-A947-70E740481C1C}">
+                <a14:useLocalDpi xmlns:a14="http://schemas.microsoft.com/office/drawing/2010/main" val="0"/>
+              </a:ext>
+            </a:extLst>
+          </a:blip>
+          <a:stretch>
+            <a:fillRect/>
+          </a:stretch>
+        </p:blipFill>
+        <p:spPr>
+          <a:xfrm>
+            <a:off x="5526125" y="1919427"/>
+            <a:ext cx="5110774" cy="1206371"/>
+          </a:xfrm>
+          <a:prstGeom prst="rect">
+            <a:avLst/>
+          </a:prstGeom>
+        </p:spPr>
+      </p:pic>
+    </p:spTree>
+    <p:extLst>
+      <p:ext uri="{BB962C8B-B14F-4D97-AF65-F5344CB8AC3E}">
+        <p14:creationId xmlns:p14="http://schemas.microsoft.com/office/powerpoint/2010/main" val="4175988242"/>
+      </p:ext>
+    </p:extLst>
+  </p:cSld>
+  <p:clrMapOvr>
+    <a:masterClrMapping/>
+  </p:clrMapOvr>
+</p:sld>
+</file>
+
+<file path=ppt/slides/slide14.xml><?xml version="1.0" encoding="utf-8"?>
 <p:sld xmlns:a="http://schemas.openxmlformats.org/drawingml/2006/main" xmlns:r="http://schemas.openxmlformats.org/officeDocument/2006/relationships" xmlns:p="http://schemas.openxmlformats.org/presentationml/2006/main">
   <p:cSld>
     <p:spTree>
